--- a/pre2.pptx
+++ b/pre2.pptx
@@ -28,12 +28,14 @@
     <p:sldId id="436" r:id="rId21"/>
     <p:sldId id="427" r:id="rId22"/>
     <p:sldId id="443" r:id="rId23"/>
-    <p:sldId id="444" r:id="rId24"/>
-    <p:sldId id="447" r:id="rId25"/>
-    <p:sldId id="442" r:id="rId26"/>
-    <p:sldId id="439" r:id="rId27"/>
-    <p:sldId id="440" r:id="rId28"/>
-    <p:sldId id="441" r:id="rId29"/>
+    <p:sldId id="455" r:id="rId24"/>
+    <p:sldId id="444" r:id="rId25"/>
+    <p:sldId id="458" r:id="rId26"/>
+    <p:sldId id="447" r:id="rId27"/>
+    <p:sldId id="442" r:id="rId28"/>
+    <p:sldId id="439" r:id="rId29"/>
+    <p:sldId id="440" r:id="rId30"/>
+    <p:sldId id="441" r:id="rId31"/>
   </p:sldIdLst>
   <p:sldSz cx="12192000" cy="6858000"/>
   <p:notesSz cx="6858000" cy="9144000"/>
@@ -793,6 +795,50 @@
 </file>
 
 <file path=ppt/notesSlides/notesSlide6.xml><?xml version="1.0" encoding="utf-8"?>
+<p:notes xmlns:a="http://schemas.openxmlformats.org/drawingml/2006/main" xmlns:r="http://schemas.openxmlformats.org/officeDocument/2006/relationships" xmlns:p="http://schemas.openxmlformats.org/presentationml/2006/main">
+  <p:cSld>
+    <p:spTree>
+      <p:nvGrpSpPr>
+        <p:cNvPr id="1" name=""/>
+        <p:cNvGrpSpPr/>
+        <p:nvPr/>
+      </p:nvGrpSpPr>
+      <p:grpSpPr/>
+      <p:sp>
+        <p:nvSpPr>
+          <p:cNvPr id="2" name="幻灯片图像占位符 1"/>
+          <p:cNvSpPr/>
+          <p:nvPr>
+            <p:ph type="sldImg" idx="2"/>
+          </p:nvPr>
+        </p:nvSpPr>
+        <p:spPr/>
+      </p:sp>
+      <p:sp>
+        <p:nvSpPr>
+          <p:cNvPr id="3" name="文本占位符 2"/>
+          <p:cNvSpPr/>
+          <p:nvPr>
+            <p:ph type="body" idx="3"/>
+          </p:nvPr>
+        </p:nvSpPr>
+        <p:spPr/>
+        <p:txBody>
+          <a:bodyPr/>
+          <a:p>
+            <a:endParaRPr lang="zh-CN" altLang="en-US"/>
+          </a:p>
+        </p:txBody>
+      </p:sp>
+    </p:spTree>
+  </p:cSld>
+  <p:clrMapOvr>
+    <a:masterClrMapping/>
+  </p:clrMapOvr>
+</p:notes>
+</file>
+
+<file path=ppt/notesSlides/notesSlide7.xml><?xml version="1.0" encoding="utf-8"?>
 <p:notes xmlns:a="http://schemas.openxmlformats.org/drawingml/2006/main" xmlns:r="http://schemas.openxmlformats.org/officeDocument/2006/relationships" xmlns:p="http://schemas.openxmlformats.org/presentationml/2006/main">
   <p:cSld>
     <p:spTree>
@@ -9695,7 +9741,7 @@
         </p:blipFill>
         <p:spPr>
           <a:xfrm>
-            <a:off x="-7193" y="885198"/>
+            <a:off x="-208" y="885198"/>
             <a:ext cx="3887547" cy="5925158"/>
           </a:xfrm>
           <a:prstGeom prst="rect">
@@ -12248,7 +12294,64 @@
                 <a:cs typeface="微软雅黑" panose="020B0503020204020204" pitchFamily="34" charset="-122"/>
                 <a:sym typeface="+mn-ea"/>
               </a:rPr>
-              <a:t>可以考虑用Faster R-CNN、SSD和YOLO三种模型。</a:t>
+              <a:t>可以考虑用Faster R-CNN、</a:t>
+            </a:r>
+            <a:r>
+              <a:rPr lang="en-US" altLang="zh-CN" sz="2000" spc="50" dirty="0">
+                <a:ln w="3175">
+                  <a:noFill/>
+                  <a:prstDash val="dash"/>
+                </a:ln>
+                <a:solidFill>
+                  <a:schemeClr val="tx1">
+                    <a:lumMod val="65000"/>
+                    <a:lumOff val="35000"/>
+                  </a:schemeClr>
+                </a:solidFill>
+                <a:latin typeface="Arial" panose="020B0604020202020204" pitchFamily="34" charset="0"/>
+                <a:ea typeface="微软雅黑" panose="020B0503020204020204" pitchFamily="34" charset="-122"/>
+                <a:cs typeface="微软雅黑" panose="020B0503020204020204" pitchFamily="34" charset="-122"/>
+                <a:sym typeface="+mn-ea"/>
+              </a:rPr>
+              <a:t>SSD</a:t>
+            </a:r>
+            <a:r>
+              <a:rPr lang="zh-CN" altLang="en-US" sz="2000" spc="50" dirty="0">
+                <a:ln w="3175">
+                  <a:noFill/>
+                  <a:prstDash val="dash"/>
+                </a:ln>
+                <a:solidFill>
+                  <a:schemeClr val="tx1">
+                    <a:lumMod val="65000"/>
+                    <a:lumOff val="35000"/>
+                  </a:schemeClr>
+                </a:solidFill>
+                <a:latin typeface="Arial" panose="020B0604020202020204" pitchFamily="34" charset="0"/>
+                <a:ea typeface="微软雅黑" panose="020B0503020204020204" pitchFamily="34" charset="-122"/>
+                <a:cs typeface="微软雅黑" panose="020B0503020204020204" pitchFamily="34" charset="-122"/>
+                <a:sym typeface="+mn-ea"/>
+              </a:rPr>
+              <a:t>、YOLO三</a:t>
+            </a:r>
+            <a:r>
+              <a:rPr lang="zh-CN" altLang="en-US" sz="2000" spc="50" dirty="0">
+                <a:ln w="3175">
+                  <a:noFill/>
+                  <a:prstDash val="dash"/>
+                </a:ln>
+                <a:solidFill>
+                  <a:schemeClr val="tx1">
+                    <a:lumMod val="65000"/>
+                    <a:lumOff val="35000"/>
+                  </a:schemeClr>
+                </a:solidFill>
+                <a:latin typeface="Arial" panose="020B0604020202020204" pitchFamily="34" charset="0"/>
+                <a:ea typeface="微软雅黑" panose="020B0503020204020204" pitchFamily="34" charset="-122"/>
+                <a:cs typeface="微软雅黑" panose="020B0503020204020204" pitchFamily="34" charset="-122"/>
+                <a:sym typeface="+mn-ea"/>
+              </a:rPr>
+              <a:t>种模型。</a:t>
             </a:r>
             <a:endParaRPr lang="zh-CN" altLang="en-US" sz="2000" spc="50" dirty="0">
               <a:ln w="3175">
@@ -12396,7 +12499,7 @@
       </p:grpSpPr>
       <p:sp>
         <p:nvSpPr>
-          <p:cNvPr id="4" name="矩形 3"/>
+          <p:cNvPr id="9" name="矩形 8"/>
           <p:cNvSpPr/>
           <p:nvPr>
             <p:custDataLst>
@@ -12406,8 +12509,8 @@
         </p:nvSpPr>
         <p:spPr>
           <a:xfrm>
-            <a:off x="0" y="953691"/>
-            <a:ext cx="12192000" cy="4950618"/>
+            <a:off x="0" y="0"/>
+            <a:ext cx="12192000" cy="914400"/>
           </a:xfrm>
           <a:prstGeom prst="rect">
             <a:avLst/>
@@ -12460,6 +12563,1300 @@
       </p:sp>
       <p:pic>
         <p:nvPicPr>
+          <p:cNvPr id="10" name="图片 9"/>
+          <p:cNvPicPr/>
+          <p:nvPr>
+            <p:custDataLst>
+              <p:tags r:id="rId2"/>
+            </p:custDataLst>
+          </p:nvPr>
+        </p:nvPicPr>
+        <p:blipFill>
+          <a:blip r:embed="rId3" r:link="rId4" cstate="screen"/>
+          <a:stretch>
+            <a:fillRect/>
+          </a:stretch>
+        </p:blipFill>
+        <p:spPr>
+          <a:xfrm>
+            <a:off x="11471910" y="6118373"/>
+            <a:ext cx="720090" cy="739627"/>
+          </a:xfrm>
+          <a:prstGeom prst="rect">
+            <a:avLst/>
+          </a:prstGeom>
+        </p:spPr>
+      </p:pic>
+      <p:pic>
+        <p:nvPicPr>
+          <p:cNvPr id="11" name="图片 10"/>
+          <p:cNvPicPr/>
+          <p:nvPr>
+            <p:custDataLst>
+              <p:tags r:id="rId5"/>
+            </p:custDataLst>
+          </p:nvPr>
+        </p:nvPicPr>
+        <p:blipFill>
+          <a:blip r:embed="rId6" r:link="rId7" cstate="screen"/>
+          <a:stretch>
+            <a:fillRect/>
+          </a:stretch>
+        </p:blipFill>
+        <p:spPr>
+          <a:xfrm>
+            <a:off x="0" y="6263800"/>
+            <a:ext cx="720090" cy="594200"/>
+          </a:xfrm>
+          <a:prstGeom prst="rect">
+            <a:avLst/>
+          </a:prstGeom>
+        </p:spPr>
+      </p:pic>
+      <p:sp>
+        <p:nvSpPr>
+          <p:cNvPr id="3" name="文本框 2"/>
+          <p:cNvSpPr txBox="1"/>
+          <p:nvPr>
+            <p:custDataLst>
+              <p:tags r:id="rId8"/>
+            </p:custDataLst>
+          </p:nvPr>
+        </p:nvSpPr>
+        <p:spPr>
+          <a:xfrm>
+            <a:off x="720075" y="2166969"/>
+            <a:ext cx="4923167" cy="3791554"/>
+          </a:xfrm>
+          <a:prstGeom prst="rect">
+            <a:avLst/>
+          </a:prstGeom>
+          <a:noFill/>
+        </p:spPr>
+        <p:txBody>
+          <a:bodyPr wrap="square" rtlCol="0">
+            <a:normAutofit lnSpcReduction="10000"/>
+          </a:bodyPr>
+          <a:lstStyle>
+            <a:defPPr>
+              <a:defRPr lang="zh-CN"/>
+            </a:defPPr>
+            <a:lvl1pPr marL="0" algn="l" defTabSz="914400" rtl="0" eaLnBrk="1" latinLnBrk="0" hangingPunct="1">
+              <a:defRPr sz="1800" kern="1200">
+                <a:solidFill>
+                  <a:schemeClr val="tx1"/>
+                </a:solidFill>
+                <a:latin typeface="+mn-lt"/>
+                <a:ea typeface="+mn-ea"/>
+                <a:cs typeface="+mn-cs"/>
+              </a:defRPr>
+            </a:lvl1pPr>
+            <a:lvl2pPr marL="457200" algn="l" defTabSz="914400" rtl="0" eaLnBrk="1" latinLnBrk="0" hangingPunct="1">
+              <a:defRPr sz="1800" kern="1200">
+                <a:solidFill>
+                  <a:schemeClr val="tx1"/>
+                </a:solidFill>
+                <a:latin typeface="+mn-lt"/>
+                <a:ea typeface="+mn-ea"/>
+                <a:cs typeface="+mn-cs"/>
+              </a:defRPr>
+            </a:lvl2pPr>
+            <a:lvl3pPr marL="914400" algn="l" defTabSz="914400" rtl="0" eaLnBrk="1" latinLnBrk="0" hangingPunct="1">
+              <a:defRPr sz="1800" kern="1200">
+                <a:solidFill>
+                  <a:schemeClr val="tx1"/>
+                </a:solidFill>
+                <a:latin typeface="+mn-lt"/>
+                <a:ea typeface="+mn-ea"/>
+                <a:cs typeface="+mn-cs"/>
+              </a:defRPr>
+            </a:lvl3pPr>
+            <a:lvl4pPr marL="1371600" algn="l" defTabSz="914400" rtl="0" eaLnBrk="1" latinLnBrk="0" hangingPunct="1">
+              <a:defRPr sz="1800" kern="1200">
+                <a:solidFill>
+                  <a:schemeClr val="tx1"/>
+                </a:solidFill>
+                <a:latin typeface="+mn-lt"/>
+                <a:ea typeface="+mn-ea"/>
+                <a:cs typeface="+mn-cs"/>
+              </a:defRPr>
+            </a:lvl4pPr>
+            <a:lvl5pPr marL="1828800" algn="l" defTabSz="914400" rtl="0" eaLnBrk="1" latinLnBrk="0" hangingPunct="1">
+              <a:defRPr sz="1800" kern="1200">
+                <a:solidFill>
+                  <a:schemeClr val="tx1"/>
+                </a:solidFill>
+                <a:latin typeface="+mn-lt"/>
+                <a:ea typeface="+mn-ea"/>
+                <a:cs typeface="+mn-cs"/>
+              </a:defRPr>
+            </a:lvl5pPr>
+            <a:lvl6pPr marL="2286000" algn="l" defTabSz="914400" rtl="0" eaLnBrk="1" latinLnBrk="0" hangingPunct="1">
+              <a:defRPr sz="1800" kern="1200">
+                <a:solidFill>
+                  <a:schemeClr val="tx1"/>
+                </a:solidFill>
+                <a:latin typeface="+mn-lt"/>
+                <a:ea typeface="+mn-ea"/>
+                <a:cs typeface="+mn-cs"/>
+              </a:defRPr>
+            </a:lvl6pPr>
+            <a:lvl7pPr marL="2743200" algn="l" defTabSz="914400" rtl="0" eaLnBrk="1" latinLnBrk="0" hangingPunct="1">
+              <a:defRPr sz="1800" kern="1200">
+                <a:solidFill>
+                  <a:schemeClr val="tx1"/>
+                </a:solidFill>
+                <a:latin typeface="+mn-lt"/>
+                <a:ea typeface="+mn-ea"/>
+                <a:cs typeface="+mn-cs"/>
+              </a:defRPr>
+            </a:lvl7pPr>
+            <a:lvl8pPr marL="3200400" algn="l" defTabSz="914400" rtl="0" eaLnBrk="1" latinLnBrk="0" hangingPunct="1">
+              <a:defRPr sz="1800" kern="1200">
+                <a:solidFill>
+                  <a:schemeClr val="tx1"/>
+                </a:solidFill>
+                <a:latin typeface="+mn-lt"/>
+                <a:ea typeface="+mn-ea"/>
+                <a:cs typeface="+mn-cs"/>
+              </a:defRPr>
+            </a:lvl8pPr>
+            <a:lvl9pPr marL="3657600" algn="l" defTabSz="914400" rtl="0" eaLnBrk="1" latinLnBrk="0" hangingPunct="1">
+              <a:defRPr sz="1800" kern="1200">
+                <a:solidFill>
+                  <a:schemeClr val="tx1"/>
+                </a:solidFill>
+                <a:latin typeface="+mn-lt"/>
+                <a:ea typeface="+mn-ea"/>
+                <a:cs typeface="+mn-cs"/>
+              </a:defRPr>
+            </a:lvl9pPr>
+          </a:lstStyle>
+          <a:p>
+            <a:pPr fontAlgn="auto">
+              <a:lnSpc>
+                <a:spcPct val="130000"/>
+              </a:lnSpc>
+              <a:spcBef>
+                <a:spcPts val="1000"/>
+              </a:spcBef>
+            </a:pPr>
+            <a:r>
+              <a:rPr lang="zh-CN" altLang="en-US" sz="1600" spc="100" dirty="0">
+                <a:solidFill>
+                  <a:schemeClr val="tx1">
+                    <a:lumMod val="65000"/>
+                    <a:lumOff val="35000"/>
+                  </a:schemeClr>
+                </a:solidFill>
+                <a:latin typeface="Arial" panose="020B0604020202020204" pitchFamily="34" charset="0"/>
+                <a:ea typeface="微软雅黑" panose="020B0503020204020204" pitchFamily="34" charset="-122"/>
+                <a:sym typeface="+mn-ea"/>
+              </a:rPr>
+              <a:t>优点：</a:t>
+            </a:r>
+            <a:r>
+              <a:rPr lang="en-US" altLang="zh-CN" sz="1600" spc="100" dirty="0">
+                <a:solidFill>
+                  <a:schemeClr val="tx1">
+                    <a:lumMod val="65000"/>
+                    <a:lumOff val="35000"/>
+                  </a:schemeClr>
+                </a:solidFill>
+                <a:latin typeface="Arial" panose="020B0604020202020204" pitchFamily="34" charset="0"/>
+                <a:ea typeface="微软雅黑" panose="020B0503020204020204" pitchFamily="34" charset="-122"/>
+                <a:sym typeface="+mn-ea"/>
+              </a:rPr>
+              <a:t>region proposal network</a:t>
+            </a:r>
+            <a:r>
+              <a:rPr lang="zh-CN" altLang="en-US" sz="1600" spc="100" dirty="0">
+                <a:solidFill>
+                  <a:schemeClr val="tx1">
+                    <a:lumMod val="65000"/>
+                    <a:lumOff val="35000"/>
+                  </a:schemeClr>
+                </a:solidFill>
+                <a:latin typeface="Arial" panose="020B0604020202020204" pitchFamily="34" charset="0"/>
+                <a:ea typeface="微软雅黑" panose="020B0503020204020204" pitchFamily="34" charset="-122"/>
+                <a:sym typeface="+mn-ea"/>
+              </a:rPr>
+              <a:t>帮助</a:t>
+            </a:r>
+            <a:r>
+              <a:rPr lang="en-US" altLang="zh-CN" sz="1600" spc="100" dirty="0">
+                <a:solidFill>
+                  <a:schemeClr val="tx1">
+                    <a:lumMod val="65000"/>
+                    <a:lumOff val="35000"/>
+                  </a:schemeClr>
+                </a:solidFill>
+                <a:latin typeface="Arial" panose="020B0604020202020204" pitchFamily="34" charset="0"/>
+                <a:ea typeface="微软雅黑" panose="020B0503020204020204" pitchFamily="34" charset="-122"/>
+                <a:sym typeface="+mn-ea"/>
+              </a:rPr>
+              <a:t>faster RCNN</a:t>
+            </a:r>
+            <a:r>
+              <a:rPr lang="zh-CN" altLang="en-US" sz="1600" spc="100" dirty="0">
+                <a:solidFill>
+                  <a:schemeClr val="tx1">
+                    <a:lumMod val="65000"/>
+                    <a:lumOff val="35000"/>
+                  </a:schemeClr>
+                </a:solidFill>
+                <a:latin typeface="Arial" panose="020B0604020202020204" pitchFamily="34" charset="0"/>
+                <a:ea typeface="微软雅黑" panose="020B0503020204020204" pitchFamily="34" charset="-122"/>
+                <a:sym typeface="+mn-ea"/>
+              </a:rPr>
+              <a:t>提高了精度，计算量并没有增大太多。</a:t>
+            </a:r>
+            <a:endParaRPr lang="zh-CN" altLang="en-US" sz="1600" spc="100" dirty="0">
+              <a:solidFill>
+                <a:schemeClr val="tx1">
+                  <a:lumMod val="65000"/>
+                  <a:lumOff val="35000"/>
+                </a:schemeClr>
+              </a:solidFill>
+              <a:latin typeface="Arial" panose="020B0604020202020204" pitchFamily="34" charset="0"/>
+              <a:ea typeface="微软雅黑" panose="020B0503020204020204" pitchFamily="34" charset="-122"/>
+              <a:sym typeface="+mn-ea"/>
+            </a:endParaRPr>
+          </a:p>
+          <a:p>
+            <a:pPr fontAlgn="auto">
+              <a:lnSpc>
+                <a:spcPct val="130000"/>
+              </a:lnSpc>
+              <a:spcBef>
+                <a:spcPts val="1000"/>
+              </a:spcBef>
+            </a:pPr>
+            <a:r>
+              <a:rPr lang="zh-CN" altLang="en-US" sz="1600" spc="100" dirty="0">
+                <a:solidFill>
+                  <a:schemeClr val="tx1">
+                    <a:lumMod val="65000"/>
+                    <a:lumOff val="35000"/>
+                  </a:schemeClr>
+                </a:solidFill>
+                <a:latin typeface="Arial" panose="020B0604020202020204" pitchFamily="34" charset="0"/>
+                <a:ea typeface="微软雅黑" panose="020B0503020204020204" pitchFamily="34" charset="-122"/>
+                <a:sym typeface="+mn-ea"/>
+              </a:rPr>
+              <a:t>鲁棒性强。</a:t>
+            </a:r>
+            <a:endParaRPr lang="zh-CN" altLang="en-US" sz="1600" spc="100" dirty="0">
+              <a:solidFill>
+                <a:schemeClr val="tx1">
+                  <a:lumMod val="65000"/>
+                  <a:lumOff val="35000"/>
+                </a:schemeClr>
+              </a:solidFill>
+              <a:latin typeface="Arial" panose="020B0604020202020204" pitchFamily="34" charset="0"/>
+              <a:ea typeface="微软雅黑" panose="020B0503020204020204" pitchFamily="34" charset="-122"/>
+              <a:sym typeface="+mn-ea"/>
+            </a:endParaRPr>
+          </a:p>
+          <a:p>
+            <a:pPr fontAlgn="auto">
+              <a:lnSpc>
+                <a:spcPct val="130000"/>
+              </a:lnSpc>
+              <a:spcBef>
+                <a:spcPts val="1000"/>
+              </a:spcBef>
+            </a:pPr>
+            <a:endParaRPr lang="zh-CN" altLang="en-US" sz="1600" spc="100" dirty="0">
+              <a:solidFill>
+                <a:schemeClr val="tx1">
+                  <a:lumMod val="65000"/>
+                  <a:lumOff val="35000"/>
+                </a:schemeClr>
+              </a:solidFill>
+              <a:latin typeface="Arial" panose="020B0604020202020204" pitchFamily="34" charset="0"/>
+              <a:ea typeface="微软雅黑" panose="020B0503020204020204" pitchFamily="34" charset="-122"/>
+              <a:sym typeface="+mn-ea"/>
+            </a:endParaRPr>
+          </a:p>
+          <a:p>
+            <a:pPr fontAlgn="auto">
+              <a:lnSpc>
+                <a:spcPct val="130000"/>
+              </a:lnSpc>
+              <a:spcBef>
+                <a:spcPts val="1000"/>
+              </a:spcBef>
+            </a:pPr>
+            <a:r>
+              <a:rPr lang="zh-CN" altLang="en-US" sz="1600" spc="100" dirty="0">
+                <a:solidFill>
+                  <a:schemeClr val="tx1">
+                    <a:lumMod val="65000"/>
+                    <a:lumOff val="35000"/>
+                  </a:schemeClr>
+                </a:solidFill>
+                <a:latin typeface="Arial" panose="020B0604020202020204" pitchFamily="34" charset="0"/>
+                <a:ea typeface="微软雅黑" panose="020B0503020204020204" pitchFamily="34" charset="-122"/>
+                <a:sym typeface="+mn-ea"/>
+              </a:rPr>
+              <a:t>缺点：慢于</a:t>
+            </a:r>
+            <a:r>
+              <a:rPr lang="en-US" altLang="zh-CN" sz="1600" spc="100" dirty="0">
+                <a:solidFill>
+                  <a:schemeClr val="tx1">
+                    <a:lumMod val="65000"/>
+                    <a:lumOff val="35000"/>
+                  </a:schemeClr>
+                </a:solidFill>
+                <a:latin typeface="Arial" panose="020B0604020202020204" pitchFamily="34" charset="0"/>
+                <a:ea typeface="微软雅黑" panose="020B0503020204020204" pitchFamily="34" charset="-122"/>
+                <a:sym typeface="+mn-ea"/>
+              </a:rPr>
+              <a:t>YOLO</a:t>
+            </a:r>
+            <a:r>
+              <a:rPr lang="zh-CN" altLang="en-US" sz="1600" spc="100" dirty="0">
+                <a:solidFill>
+                  <a:schemeClr val="tx1">
+                    <a:lumMod val="65000"/>
+                    <a:lumOff val="35000"/>
+                  </a:schemeClr>
+                </a:solidFill>
+                <a:latin typeface="Arial" panose="020B0604020202020204" pitchFamily="34" charset="0"/>
+                <a:ea typeface="微软雅黑" panose="020B0503020204020204" pitchFamily="34" charset="-122"/>
+                <a:sym typeface="+mn-ea"/>
+              </a:rPr>
+              <a:t>和</a:t>
+            </a:r>
+            <a:r>
+              <a:rPr lang="en-US" altLang="zh-CN" sz="1600" spc="100" dirty="0">
+                <a:solidFill>
+                  <a:schemeClr val="tx1">
+                    <a:lumMod val="65000"/>
+                    <a:lumOff val="35000"/>
+                  </a:schemeClr>
+                </a:solidFill>
+                <a:latin typeface="Arial" panose="020B0604020202020204" pitchFamily="34" charset="0"/>
+                <a:ea typeface="微软雅黑" panose="020B0503020204020204" pitchFamily="34" charset="-122"/>
+                <a:sym typeface="+mn-ea"/>
+              </a:rPr>
+              <a:t>SSD</a:t>
+            </a:r>
+            <a:endParaRPr lang="en-US" altLang="zh-CN" sz="1600" spc="100" dirty="0">
+              <a:solidFill>
+                <a:schemeClr val="tx1">
+                  <a:lumMod val="65000"/>
+                  <a:lumOff val="35000"/>
+                </a:schemeClr>
+              </a:solidFill>
+              <a:latin typeface="Arial" panose="020B0604020202020204" pitchFamily="34" charset="0"/>
+              <a:ea typeface="微软雅黑" panose="020B0503020204020204" pitchFamily="34" charset="-122"/>
+              <a:sym typeface="+mn-ea"/>
+            </a:endParaRPr>
+          </a:p>
+        </p:txBody>
+      </p:sp>
+      <p:sp>
+        <p:nvSpPr>
+          <p:cNvPr id="4" name="文本框 3"/>
+          <p:cNvSpPr txBox="1"/>
+          <p:nvPr>
+            <p:custDataLst>
+              <p:tags r:id="rId9"/>
+            </p:custDataLst>
+          </p:nvPr>
+        </p:nvSpPr>
+        <p:spPr>
+          <a:xfrm>
+            <a:off x="608316" y="1629704"/>
+            <a:ext cx="4923158" cy="461665"/>
+          </a:xfrm>
+          <a:prstGeom prst="rect">
+            <a:avLst/>
+          </a:prstGeom>
+          <a:noFill/>
+        </p:spPr>
+        <p:txBody>
+          <a:bodyPr wrap="square" rtlCol="0">
+            <a:normAutofit/>
+          </a:bodyPr>
+          <a:lstStyle/>
+          <a:p>
+            <a:r>
+              <a:rPr lang="en-US" altLang="zh-CN" sz="2400" b="1" dirty="0">
+                <a:solidFill>
+                  <a:schemeClr val="tx1">
+                    <a:lumMod val="85000"/>
+                    <a:lumOff val="15000"/>
+                  </a:schemeClr>
+                </a:solidFill>
+                <a:latin typeface="Arial" panose="020B0604020202020204" pitchFamily="34" charset="0"/>
+                <a:ea typeface="微软雅黑" panose="020B0503020204020204" pitchFamily="34" charset="-122"/>
+              </a:rPr>
+              <a:t>faster RCNN</a:t>
+            </a:r>
+            <a:endParaRPr lang="en-US" altLang="zh-CN" sz="2400" b="1" dirty="0">
+              <a:solidFill>
+                <a:schemeClr val="tx1">
+                  <a:lumMod val="85000"/>
+                  <a:lumOff val="15000"/>
+                </a:schemeClr>
+              </a:solidFill>
+              <a:latin typeface="Arial" panose="020B0604020202020204" pitchFamily="34" charset="0"/>
+              <a:ea typeface="微软雅黑" panose="020B0503020204020204" pitchFamily="34" charset="-122"/>
+            </a:endParaRPr>
+          </a:p>
+        </p:txBody>
+      </p:sp>
+      <p:cxnSp>
+        <p:nvCxnSpPr>
+          <p:cNvPr id="5" name="直接连接符 4"/>
+          <p:cNvCxnSpPr/>
+          <p:nvPr>
+            <p:custDataLst>
+              <p:tags r:id="rId10"/>
+            </p:custDataLst>
+          </p:nvPr>
+        </p:nvCxnSpPr>
+        <p:spPr>
+          <a:xfrm flipH="1">
+            <a:off x="6085205" y="1629410"/>
+            <a:ext cx="10795" cy="2749550"/>
+          </a:xfrm>
+          <a:prstGeom prst="line">
+            <a:avLst/>
+          </a:prstGeom>
+          <a:ln>
+            <a:solidFill>
+              <a:schemeClr val="bg1">
+                <a:lumMod val="85000"/>
+              </a:schemeClr>
+            </a:solidFill>
+            <a:prstDash val="dash"/>
+          </a:ln>
+        </p:spPr>
+        <p:style>
+          <a:lnRef idx="1">
+            <a:schemeClr val="accent1"/>
+          </a:lnRef>
+          <a:fillRef idx="0">
+            <a:schemeClr val="accent1"/>
+          </a:fillRef>
+          <a:effectRef idx="0">
+            <a:schemeClr val="accent1"/>
+          </a:effectRef>
+          <a:fontRef idx="minor">
+            <a:schemeClr val="tx1"/>
+          </a:fontRef>
+        </p:style>
+      </p:cxnSp>
+      <p:sp>
+        <p:nvSpPr>
+          <p:cNvPr id="6" name="文本框 5"/>
+          <p:cNvSpPr txBox="1"/>
+          <p:nvPr>
+            <p:custDataLst>
+              <p:tags r:id="rId11"/>
+            </p:custDataLst>
+          </p:nvPr>
+        </p:nvSpPr>
+        <p:spPr>
+          <a:xfrm>
+            <a:off x="6659881" y="2166969"/>
+            <a:ext cx="4923167" cy="3791554"/>
+          </a:xfrm>
+          <a:prstGeom prst="rect">
+            <a:avLst/>
+          </a:prstGeom>
+          <a:noFill/>
+        </p:spPr>
+        <p:txBody>
+          <a:bodyPr wrap="square" rtlCol="0">
+            <a:normAutofit lnSpcReduction="10000"/>
+          </a:bodyPr>
+          <a:lstStyle>
+            <a:defPPr>
+              <a:defRPr lang="zh-CN"/>
+            </a:defPPr>
+            <a:lvl1pPr marL="0" algn="l" defTabSz="914400" rtl="0" eaLnBrk="1" latinLnBrk="0" hangingPunct="1">
+              <a:defRPr sz="1800" kern="1200">
+                <a:solidFill>
+                  <a:schemeClr val="tx1"/>
+                </a:solidFill>
+                <a:latin typeface="+mn-lt"/>
+                <a:ea typeface="+mn-ea"/>
+                <a:cs typeface="+mn-cs"/>
+              </a:defRPr>
+            </a:lvl1pPr>
+            <a:lvl2pPr marL="457200" algn="l" defTabSz="914400" rtl="0" eaLnBrk="1" latinLnBrk="0" hangingPunct="1">
+              <a:defRPr sz="1800" kern="1200">
+                <a:solidFill>
+                  <a:schemeClr val="tx1"/>
+                </a:solidFill>
+                <a:latin typeface="+mn-lt"/>
+                <a:ea typeface="+mn-ea"/>
+                <a:cs typeface="+mn-cs"/>
+              </a:defRPr>
+            </a:lvl2pPr>
+            <a:lvl3pPr marL="914400" algn="l" defTabSz="914400" rtl="0" eaLnBrk="1" latinLnBrk="0" hangingPunct="1">
+              <a:defRPr sz="1800" kern="1200">
+                <a:solidFill>
+                  <a:schemeClr val="tx1"/>
+                </a:solidFill>
+                <a:latin typeface="+mn-lt"/>
+                <a:ea typeface="+mn-ea"/>
+                <a:cs typeface="+mn-cs"/>
+              </a:defRPr>
+            </a:lvl3pPr>
+            <a:lvl4pPr marL="1371600" algn="l" defTabSz="914400" rtl="0" eaLnBrk="1" latinLnBrk="0" hangingPunct="1">
+              <a:defRPr sz="1800" kern="1200">
+                <a:solidFill>
+                  <a:schemeClr val="tx1"/>
+                </a:solidFill>
+                <a:latin typeface="+mn-lt"/>
+                <a:ea typeface="+mn-ea"/>
+                <a:cs typeface="+mn-cs"/>
+              </a:defRPr>
+            </a:lvl4pPr>
+            <a:lvl5pPr marL="1828800" algn="l" defTabSz="914400" rtl="0" eaLnBrk="1" latinLnBrk="0" hangingPunct="1">
+              <a:defRPr sz="1800" kern="1200">
+                <a:solidFill>
+                  <a:schemeClr val="tx1"/>
+                </a:solidFill>
+                <a:latin typeface="+mn-lt"/>
+                <a:ea typeface="+mn-ea"/>
+                <a:cs typeface="+mn-cs"/>
+              </a:defRPr>
+            </a:lvl5pPr>
+            <a:lvl6pPr marL="2286000" algn="l" defTabSz="914400" rtl="0" eaLnBrk="1" latinLnBrk="0" hangingPunct="1">
+              <a:defRPr sz="1800" kern="1200">
+                <a:solidFill>
+                  <a:schemeClr val="tx1"/>
+                </a:solidFill>
+                <a:latin typeface="+mn-lt"/>
+                <a:ea typeface="+mn-ea"/>
+                <a:cs typeface="+mn-cs"/>
+              </a:defRPr>
+            </a:lvl6pPr>
+            <a:lvl7pPr marL="2743200" algn="l" defTabSz="914400" rtl="0" eaLnBrk="1" latinLnBrk="0" hangingPunct="1">
+              <a:defRPr sz="1800" kern="1200">
+                <a:solidFill>
+                  <a:schemeClr val="tx1"/>
+                </a:solidFill>
+                <a:latin typeface="+mn-lt"/>
+                <a:ea typeface="+mn-ea"/>
+                <a:cs typeface="+mn-cs"/>
+              </a:defRPr>
+            </a:lvl7pPr>
+            <a:lvl8pPr marL="3200400" algn="l" defTabSz="914400" rtl="0" eaLnBrk="1" latinLnBrk="0" hangingPunct="1">
+              <a:defRPr sz="1800" kern="1200">
+                <a:solidFill>
+                  <a:schemeClr val="tx1"/>
+                </a:solidFill>
+                <a:latin typeface="+mn-lt"/>
+                <a:ea typeface="+mn-ea"/>
+                <a:cs typeface="+mn-cs"/>
+              </a:defRPr>
+            </a:lvl8pPr>
+            <a:lvl9pPr marL="3657600" algn="l" defTabSz="914400" rtl="0" eaLnBrk="1" latinLnBrk="0" hangingPunct="1">
+              <a:defRPr sz="1800" kern="1200">
+                <a:solidFill>
+                  <a:schemeClr val="tx1"/>
+                </a:solidFill>
+                <a:latin typeface="+mn-lt"/>
+                <a:ea typeface="+mn-ea"/>
+                <a:cs typeface="+mn-cs"/>
+              </a:defRPr>
+            </a:lvl9pPr>
+          </a:lstStyle>
+          <a:p>
+            <a:pPr fontAlgn="auto">
+              <a:lnSpc>
+                <a:spcPct val="130000"/>
+              </a:lnSpc>
+              <a:spcBef>
+                <a:spcPts val="1000"/>
+              </a:spcBef>
+            </a:pPr>
+            <a:r>
+              <a:rPr lang="zh-CN" altLang="en-US" sz="1600" spc="100" dirty="0">
+                <a:solidFill>
+                  <a:schemeClr val="tx1">
+                    <a:lumMod val="65000"/>
+                    <a:lumOff val="35000"/>
+                  </a:schemeClr>
+                </a:solidFill>
+                <a:latin typeface="Arial" panose="020B0604020202020204" pitchFamily="34" charset="0"/>
+                <a:ea typeface="微软雅黑" panose="020B0503020204020204" pitchFamily="34" charset="-122"/>
+                <a:sym typeface="+mn-ea"/>
+              </a:rPr>
+              <a:t>优点：速度快，精简了网络，减少了计算量。</a:t>
+            </a:r>
+            <a:endParaRPr lang="zh-CN" altLang="en-US" sz="1600" spc="100" dirty="0">
+              <a:solidFill>
+                <a:schemeClr val="tx1">
+                  <a:lumMod val="65000"/>
+                  <a:lumOff val="35000"/>
+                </a:schemeClr>
+              </a:solidFill>
+              <a:latin typeface="Arial" panose="020B0604020202020204" pitchFamily="34" charset="0"/>
+              <a:ea typeface="微软雅黑" panose="020B0503020204020204" pitchFamily="34" charset="-122"/>
+              <a:sym typeface="+mn-ea"/>
+            </a:endParaRPr>
+          </a:p>
+          <a:p>
+            <a:pPr fontAlgn="auto">
+              <a:lnSpc>
+                <a:spcPct val="130000"/>
+              </a:lnSpc>
+              <a:spcBef>
+                <a:spcPts val="1000"/>
+              </a:spcBef>
+            </a:pPr>
+            <a:r>
+              <a:rPr lang="zh-CN" altLang="en-US" sz="1600" spc="100" dirty="0">
+                <a:solidFill>
+                  <a:schemeClr val="tx1">
+                    <a:lumMod val="65000"/>
+                    <a:lumOff val="35000"/>
+                  </a:schemeClr>
+                </a:solidFill>
+                <a:latin typeface="Arial" panose="020B0604020202020204" pitchFamily="34" charset="0"/>
+                <a:ea typeface="微软雅黑" panose="020B0503020204020204" pitchFamily="34" charset="-122"/>
+                <a:sym typeface="+mn-ea"/>
+              </a:rPr>
+              <a:t>实时性得到满足</a:t>
+            </a:r>
+            <a:endParaRPr lang="zh-CN" altLang="en-US" sz="1600" spc="100" dirty="0">
+              <a:solidFill>
+                <a:schemeClr val="tx1">
+                  <a:lumMod val="65000"/>
+                  <a:lumOff val="35000"/>
+                </a:schemeClr>
+              </a:solidFill>
+              <a:latin typeface="Arial" panose="020B0604020202020204" pitchFamily="34" charset="0"/>
+              <a:ea typeface="微软雅黑" panose="020B0503020204020204" pitchFamily="34" charset="-122"/>
+              <a:sym typeface="+mn-ea"/>
+            </a:endParaRPr>
+          </a:p>
+          <a:p>
+            <a:pPr fontAlgn="auto">
+              <a:lnSpc>
+                <a:spcPct val="130000"/>
+              </a:lnSpc>
+              <a:spcBef>
+                <a:spcPts val="1000"/>
+              </a:spcBef>
+            </a:pPr>
+            <a:endParaRPr lang="zh-CN" altLang="en-US" sz="1600" spc="100" dirty="0">
+              <a:solidFill>
+                <a:schemeClr val="tx1">
+                  <a:lumMod val="65000"/>
+                  <a:lumOff val="35000"/>
+                </a:schemeClr>
+              </a:solidFill>
+              <a:latin typeface="Arial" panose="020B0604020202020204" pitchFamily="34" charset="0"/>
+              <a:ea typeface="微软雅黑" panose="020B0503020204020204" pitchFamily="34" charset="-122"/>
+              <a:sym typeface="+mn-ea"/>
+            </a:endParaRPr>
+          </a:p>
+          <a:p>
+            <a:pPr fontAlgn="auto">
+              <a:lnSpc>
+                <a:spcPct val="130000"/>
+              </a:lnSpc>
+              <a:spcBef>
+                <a:spcPts val="1000"/>
+              </a:spcBef>
+            </a:pPr>
+            <a:r>
+              <a:rPr lang="zh-CN" altLang="en-US" sz="1600" spc="100" dirty="0">
+                <a:solidFill>
+                  <a:schemeClr val="tx1">
+                    <a:lumMod val="65000"/>
+                    <a:lumOff val="35000"/>
+                  </a:schemeClr>
+                </a:solidFill>
+                <a:latin typeface="Arial" panose="020B0604020202020204" pitchFamily="34" charset="0"/>
+                <a:ea typeface="微软雅黑" panose="020B0503020204020204" pitchFamily="34" charset="-122"/>
+                <a:sym typeface="+mn-ea"/>
+              </a:rPr>
+              <a:t>缺点：精度不算太高</a:t>
+            </a:r>
+            <a:endParaRPr lang="zh-CN" altLang="en-US" sz="1600" spc="100" dirty="0">
+              <a:solidFill>
+                <a:schemeClr val="tx1">
+                  <a:lumMod val="65000"/>
+                  <a:lumOff val="35000"/>
+                </a:schemeClr>
+              </a:solidFill>
+              <a:latin typeface="Arial" panose="020B0604020202020204" pitchFamily="34" charset="0"/>
+              <a:ea typeface="微软雅黑" panose="020B0503020204020204" pitchFamily="34" charset="-122"/>
+              <a:sym typeface="+mn-ea"/>
+            </a:endParaRPr>
+          </a:p>
+        </p:txBody>
+      </p:sp>
+      <p:sp>
+        <p:nvSpPr>
+          <p:cNvPr id="7" name="文本框 6"/>
+          <p:cNvSpPr txBox="1"/>
+          <p:nvPr>
+            <p:custDataLst>
+              <p:tags r:id="rId12"/>
+            </p:custDataLst>
+          </p:nvPr>
+        </p:nvSpPr>
+        <p:spPr>
+          <a:xfrm>
+            <a:off x="6659882" y="1629704"/>
+            <a:ext cx="4923158" cy="461665"/>
+          </a:xfrm>
+          <a:prstGeom prst="rect">
+            <a:avLst/>
+          </a:prstGeom>
+          <a:noFill/>
+        </p:spPr>
+        <p:txBody>
+          <a:bodyPr wrap="square" rtlCol="0">
+            <a:normAutofit/>
+          </a:bodyPr>
+          <a:lstStyle/>
+          <a:p>
+            <a:r>
+              <a:rPr lang="en-US" altLang="zh-CN" sz="2400" b="1" dirty="0">
+                <a:solidFill>
+                  <a:schemeClr val="tx1">
+                    <a:lumMod val="85000"/>
+                    <a:lumOff val="15000"/>
+                  </a:schemeClr>
+                </a:solidFill>
+                <a:latin typeface="Arial" panose="020B0604020202020204" pitchFamily="34" charset="0"/>
+                <a:ea typeface="微软雅黑" panose="020B0503020204020204" pitchFamily="34" charset="-122"/>
+              </a:rPr>
+              <a:t>YOLO</a:t>
+            </a:r>
+            <a:endParaRPr lang="en-US" altLang="zh-CN" sz="2400" b="1" dirty="0">
+              <a:solidFill>
+                <a:schemeClr val="tx1">
+                  <a:lumMod val="85000"/>
+                  <a:lumOff val="15000"/>
+                </a:schemeClr>
+              </a:solidFill>
+              <a:latin typeface="Arial" panose="020B0604020202020204" pitchFamily="34" charset="0"/>
+              <a:ea typeface="微软雅黑" panose="020B0503020204020204" pitchFamily="34" charset="-122"/>
+            </a:endParaRPr>
+          </a:p>
+        </p:txBody>
+      </p:sp>
+      <p:sp>
+        <p:nvSpPr>
+          <p:cNvPr id="12" name="Title 6"/>
+          <p:cNvSpPr txBox="1"/>
+          <p:nvPr>
+            <p:custDataLst>
+              <p:tags r:id="rId13"/>
+            </p:custDataLst>
+          </p:nvPr>
+        </p:nvSpPr>
+        <p:spPr>
+          <a:xfrm>
+            <a:off x="608399" y="153000"/>
+            <a:ext cx="10974649" cy="608400"/>
+          </a:xfrm>
+          <a:prstGeom prst="rect">
+            <a:avLst/>
+          </a:prstGeom>
+          <a:noFill/>
+          <a:ln w="3175">
+            <a:noFill/>
+            <a:prstDash val="dash"/>
+          </a:ln>
+        </p:spPr>
+        <p:txBody>
+          <a:bodyPr wrap="square" lIns="72000" tIns="36000" rIns="72000" bIns="36000" anchor="b" anchorCtr="0">
+            <a:normAutofit/>
+          </a:bodyPr>
+          <a:lstStyle>
+            <a:lvl1pPr algn="l" defTabSz="913765" rtl="0" eaLnBrk="1" latinLnBrk="0" hangingPunct="1">
+              <a:lnSpc>
+                <a:spcPct val="90000"/>
+              </a:lnSpc>
+              <a:spcBef>
+                <a:spcPct val="0"/>
+              </a:spcBef>
+              <a:buNone/>
+              <a:defRPr lang="en-US" sz="2745" b="0" kern="1200" cap="none" spc="-49" baseline="0" dirty="0" smtClean="0">
+                <a:ln w="3175">
+                  <a:noFill/>
+                </a:ln>
+                <a:solidFill>
+                  <a:schemeClr val="tx1"/>
+                </a:solidFill>
+                <a:effectLst/>
+                <a:latin typeface="+mj-lt"/>
+                <a:ea typeface="+mn-ea"/>
+                <a:cs typeface="Segoe UI" panose="020B0502040204020203" pitchFamily="34" charset="0"/>
+              </a:defRPr>
+            </a:lvl1pPr>
+          </a:lstStyle>
+          <a:p>
+            <a:pPr lvl="0">
+              <a:lnSpc>
+                <a:spcPct val="100000"/>
+              </a:lnSpc>
+            </a:pPr>
+            <a:r>
+              <a:rPr lang="zh-CN" altLang="en-US" sz="3200" b="1" spc="150" dirty="0">
+                <a:ln w="3175">
+                  <a:noFill/>
+                  <a:prstDash val="dash"/>
+                </a:ln>
+                <a:solidFill>
+                  <a:schemeClr val="tx1">
+                    <a:lumMod val="85000"/>
+                    <a:lumOff val="15000"/>
+                  </a:schemeClr>
+                </a:solidFill>
+                <a:latin typeface="Arial" panose="020B0604020202020204" pitchFamily="34" charset="0"/>
+                <a:ea typeface="微软雅黑" panose="020B0503020204020204" pitchFamily="34" charset="-122"/>
+                <a:cs typeface="微软雅黑" panose="020B0503020204020204" pitchFamily="34" charset="-122"/>
+              </a:rPr>
+              <a:t>算法比较</a:t>
+            </a:r>
+            <a:endParaRPr lang="zh-CN" altLang="en-US" sz="3200" b="1" spc="150" dirty="0">
+              <a:ln w="3175">
+                <a:noFill/>
+                <a:prstDash val="dash"/>
+              </a:ln>
+              <a:solidFill>
+                <a:schemeClr val="tx1">
+                  <a:lumMod val="85000"/>
+                  <a:lumOff val="15000"/>
+                </a:schemeClr>
+              </a:solidFill>
+              <a:latin typeface="Arial" panose="020B0604020202020204" pitchFamily="34" charset="0"/>
+              <a:ea typeface="微软雅黑" panose="020B0503020204020204" pitchFamily="34" charset="-122"/>
+              <a:cs typeface="微软雅黑" panose="020B0503020204020204" pitchFamily="34" charset="-122"/>
+            </a:endParaRPr>
+          </a:p>
+        </p:txBody>
+      </p:sp>
+      <p:sp>
+        <p:nvSpPr>
+          <p:cNvPr id="2" name="文本框 1"/>
+          <p:cNvSpPr txBox="1"/>
+          <p:nvPr>
+            <p:custDataLst>
+              <p:tags r:id="rId14"/>
+            </p:custDataLst>
+          </p:nvPr>
+        </p:nvSpPr>
+        <p:spPr>
+          <a:xfrm>
+            <a:off x="5643231" y="4662464"/>
+            <a:ext cx="4923158" cy="461665"/>
+          </a:xfrm>
+          <a:prstGeom prst="rect">
+            <a:avLst/>
+          </a:prstGeom>
+          <a:noFill/>
+        </p:spPr>
+        <p:txBody>
+          <a:bodyPr wrap="square" rtlCol="0">
+            <a:normAutofit/>
+          </a:bodyPr>
+          <a:p>
+            <a:r>
+              <a:rPr lang="en-US" altLang="zh-CN" sz="2400" b="1" dirty="0">
+                <a:solidFill>
+                  <a:schemeClr val="tx1">
+                    <a:lumMod val="85000"/>
+                    <a:lumOff val="15000"/>
+                  </a:schemeClr>
+                </a:solidFill>
+                <a:latin typeface="Arial" panose="020B0604020202020204" pitchFamily="34" charset="0"/>
+                <a:ea typeface="微软雅黑" panose="020B0503020204020204" pitchFamily="34" charset="-122"/>
+              </a:rPr>
+              <a:t>SSD</a:t>
+            </a:r>
+            <a:endParaRPr lang="en-US" altLang="zh-CN" sz="2400" b="1" dirty="0">
+              <a:solidFill>
+                <a:schemeClr val="tx1">
+                  <a:lumMod val="85000"/>
+                  <a:lumOff val="15000"/>
+                </a:schemeClr>
+              </a:solidFill>
+              <a:latin typeface="Arial" panose="020B0604020202020204" pitchFamily="34" charset="0"/>
+              <a:ea typeface="微软雅黑" panose="020B0503020204020204" pitchFamily="34" charset="-122"/>
+            </a:endParaRPr>
+          </a:p>
+        </p:txBody>
+      </p:sp>
+      <p:sp>
+        <p:nvSpPr>
+          <p:cNvPr id="8" name="文本框 7"/>
+          <p:cNvSpPr txBox="1"/>
+          <p:nvPr>
+            <p:custDataLst>
+              <p:tags r:id="rId15"/>
+            </p:custDataLst>
+          </p:nvPr>
+        </p:nvSpPr>
+        <p:spPr>
+          <a:xfrm>
+            <a:off x="1717040" y="5123815"/>
+            <a:ext cx="8747125" cy="1581150"/>
+          </a:xfrm>
+          <a:prstGeom prst="rect">
+            <a:avLst/>
+          </a:prstGeom>
+          <a:noFill/>
+        </p:spPr>
+        <p:txBody>
+          <a:bodyPr wrap="square" rtlCol="0">
+            <a:normAutofit lnSpcReduction="10000"/>
+          </a:bodyPr>
+          <a:lstStyle>
+            <a:defPPr>
+              <a:defRPr lang="zh-CN"/>
+            </a:defPPr>
+            <a:lvl1pPr marL="0" algn="l" defTabSz="914400" rtl="0" eaLnBrk="1" latinLnBrk="0" hangingPunct="1">
+              <a:defRPr sz="1800" kern="1200">
+                <a:solidFill>
+                  <a:schemeClr val="tx1"/>
+                </a:solidFill>
+                <a:latin typeface="+mn-lt"/>
+                <a:ea typeface="+mn-ea"/>
+                <a:cs typeface="+mn-cs"/>
+              </a:defRPr>
+            </a:lvl1pPr>
+            <a:lvl2pPr marL="457200" algn="l" defTabSz="914400" rtl="0" eaLnBrk="1" latinLnBrk="0" hangingPunct="1">
+              <a:defRPr sz="1800" kern="1200">
+                <a:solidFill>
+                  <a:schemeClr val="tx1"/>
+                </a:solidFill>
+                <a:latin typeface="+mn-lt"/>
+                <a:ea typeface="+mn-ea"/>
+                <a:cs typeface="+mn-cs"/>
+              </a:defRPr>
+            </a:lvl2pPr>
+            <a:lvl3pPr marL="914400" algn="l" defTabSz="914400" rtl="0" eaLnBrk="1" latinLnBrk="0" hangingPunct="1">
+              <a:defRPr sz="1800" kern="1200">
+                <a:solidFill>
+                  <a:schemeClr val="tx1"/>
+                </a:solidFill>
+                <a:latin typeface="+mn-lt"/>
+                <a:ea typeface="+mn-ea"/>
+                <a:cs typeface="+mn-cs"/>
+              </a:defRPr>
+            </a:lvl3pPr>
+            <a:lvl4pPr marL="1371600" algn="l" defTabSz="914400" rtl="0" eaLnBrk="1" latinLnBrk="0" hangingPunct="1">
+              <a:defRPr sz="1800" kern="1200">
+                <a:solidFill>
+                  <a:schemeClr val="tx1"/>
+                </a:solidFill>
+                <a:latin typeface="+mn-lt"/>
+                <a:ea typeface="+mn-ea"/>
+                <a:cs typeface="+mn-cs"/>
+              </a:defRPr>
+            </a:lvl4pPr>
+            <a:lvl5pPr marL="1828800" algn="l" defTabSz="914400" rtl="0" eaLnBrk="1" latinLnBrk="0" hangingPunct="1">
+              <a:defRPr sz="1800" kern="1200">
+                <a:solidFill>
+                  <a:schemeClr val="tx1"/>
+                </a:solidFill>
+                <a:latin typeface="+mn-lt"/>
+                <a:ea typeface="+mn-ea"/>
+                <a:cs typeface="+mn-cs"/>
+              </a:defRPr>
+            </a:lvl5pPr>
+            <a:lvl6pPr marL="2286000" algn="l" defTabSz="914400" rtl="0" eaLnBrk="1" latinLnBrk="0" hangingPunct="1">
+              <a:defRPr sz="1800" kern="1200">
+                <a:solidFill>
+                  <a:schemeClr val="tx1"/>
+                </a:solidFill>
+                <a:latin typeface="+mn-lt"/>
+                <a:ea typeface="+mn-ea"/>
+                <a:cs typeface="+mn-cs"/>
+              </a:defRPr>
+            </a:lvl6pPr>
+            <a:lvl7pPr marL="2743200" algn="l" defTabSz="914400" rtl="0" eaLnBrk="1" latinLnBrk="0" hangingPunct="1">
+              <a:defRPr sz="1800" kern="1200">
+                <a:solidFill>
+                  <a:schemeClr val="tx1"/>
+                </a:solidFill>
+                <a:latin typeface="+mn-lt"/>
+                <a:ea typeface="+mn-ea"/>
+                <a:cs typeface="+mn-cs"/>
+              </a:defRPr>
+            </a:lvl7pPr>
+            <a:lvl8pPr marL="3200400" algn="l" defTabSz="914400" rtl="0" eaLnBrk="1" latinLnBrk="0" hangingPunct="1">
+              <a:defRPr sz="1800" kern="1200">
+                <a:solidFill>
+                  <a:schemeClr val="tx1"/>
+                </a:solidFill>
+                <a:latin typeface="+mn-lt"/>
+                <a:ea typeface="+mn-ea"/>
+                <a:cs typeface="+mn-cs"/>
+              </a:defRPr>
+            </a:lvl8pPr>
+            <a:lvl9pPr marL="3657600" algn="l" defTabSz="914400" rtl="0" eaLnBrk="1" latinLnBrk="0" hangingPunct="1">
+              <a:defRPr sz="1800" kern="1200">
+                <a:solidFill>
+                  <a:schemeClr val="tx1"/>
+                </a:solidFill>
+                <a:latin typeface="+mn-lt"/>
+                <a:ea typeface="+mn-ea"/>
+                <a:cs typeface="+mn-cs"/>
+              </a:defRPr>
+            </a:lvl9pPr>
+          </a:lstStyle>
+          <a:p>
+            <a:pPr fontAlgn="auto">
+              <a:lnSpc>
+                <a:spcPct val="130000"/>
+              </a:lnSpc>
+              <a:spcBef>
+                <a:spcPts val="1000"/>
+              </a:spcBef>
+            </a:pPr>
+            <a:r>
+              <a:rPr lang="zh-CN" altLang="en-US" sz="1600" spc="100" dirty="0">
+                <a:solidFill>
+                  <a:schemeClr val="tx1">
+                    <a:lumMod val="65000"/>
+                    <a:lumOff val="35000"/>
+                  </a:schemeClr>
+                </a:solidFill>
+                <a:latin typeface="Arial" panose="020B0604020202020204" pitchFamily="34" charset="0"/>
+                <a:ea typeface="微软雅黑" panose="020B0503020204020204" pitchFamily="34" charset="-122"/>
+                <a:sym typeface="+mn-ea"/>
+              </a:rPr>
+              <a:t>优点：结合了</a:t>
+            </a:r>
+            <a:r>
+              <a:rPr lang="en-US" altLang="zh-CN" sz="1600" spc="100" dirty="0">
+                <a:solidFill>
+                  <a:schemeClr val="tx1">
+                    <a:lumMod val="65000"/>
+                    <a:lumOff val="35000"/>
+                  </a:schemeClr>
+                </a:solidFill>
+                <a:latin typeface="Arial" panose="020B0604020202020204" pitchFamily="34" charset="0"/>
+                <a:ea typeface="微软雅黑" panose="020B0503020204020204" pitchFamily="34" charset="-122"/>
+                <a:sym typeface="+mn-ea"/>
+              </a:rPr>
+              <a:t>faster RCNN</a:t>
+            </a:r>
+            <a:r>
+              <a:rPr lang="zh-CN" altLang="en-US" sz="1600" spc="100" dirty="0">
+                <a:solidFill>
+                  <a:schemeClr val="tx1">
+                    <a:lumMod val="65000"/>
+                    <a:lumOff val="35000"/>
+                  </a:schemeClr>
+                </a:solidFill>
+                <a:latin typeface="Arial" panose="020B0604020202020204" pitchFamily="34" charset="0"/>
+                <a:ea typeface="微软雅黑" panose="020B0503020204020204" pitchFamily="34" charset="-122"/>
+                <a:sym typeface="+mn-ea"/>
+              </a:rPr>
+              <a:t>和</a:t>
+            </a:r>
+            <a:r>
+              <a:rPr lang="en-US" altLang="zh-CN" sz="1600" spc="100" dirty="0">
+                <a:solidFill>
+                  <a:schemeClr val="tx1">
+                    <a:lumMod val="65000"/>
+                    <a:lumOff val="35000"/>
+                  </a:schemeClr>
+                </a:solidFill>
+                <a:latin typeface="Arial" panose="020B0604020202020204" pitchFamily="34" charset="0"/>
+                <a:ea typeface="微软雅黑" panose="020B0503020204020204" pitchFamily="34" charset="-122"/>
+                <a:sym typeface="+mn-ea"/>
+              </a:rPr>
+              <a:t>YOLO</a:t>
+            </a:r>
+            <a:r>
+              <a:rPr lang="zh-CN" altLang="en-US" sz="1600" spc="100" dirty="0">
+                <a:solidFill>
+                  <a:schemeClr val="tx1">
+                    <a:lumMod val="65000"/>
+                    <a:lumOff val="35000"/>
+                  </a:schemeClr>
+                </a:solidFill>
+                <a:latin typeface="Arial" panose="020B0604020202020204" pitchFamily="34" charset="0"/>
+                <a:ea typeface="微软雅黑" panose="020B0503020204020204" pitchFamily="34" charset="-122"/>
+                <a:sym typeface="+mn-ea"/>
+              </a:rPr>
+              <a:t>的特点，在高精的基础上尽量提高了速度</a:t>
+            </a:r>
+            <a:endParaRPr lang="zh-CN" altLang="en-US" sz="1600" spc="100" dirty="0">
+              <a:solidFill>
+                <a:schemeClr val="tx1">
+                  <a:lumMod val="65000"/>
+                  <a:lumOff val="35000"/>
+                </a:schemeClr>
+              </a:solidFill>
+              <a:latin typeface="Arial" panose="020B0604020202020204" pitchFamily="34" charset="0"/>
+              <a:ea typeface="微软雅黑" panose="020B0503020204020204" pitchFamily="34" charset="-122"/>
+              <a:sym typeface="+mn-ea"/>
+            </a:endParaRPr>
+          </a:p>
+          <a:p>
+            <a:pPr fontAlgn="auto">
+              <a:lnSpc>
+                <a:spcPct val="130000"/>
+              </a:lnSpc>
+              <a:spcBef>
+                <a:spcPts val="1000"/>
+              </a:spcBef>
+            </a:pPr>
+            <a:endParaRPr lang="zh-CN" altLang="en-US" sz="1600" spc="100" dirty="0">
+              <a:solidFill>
+                <a:schemeClr val="tx1">
+                  <a:lumMod val="65000"/>
+                  <a:lumOff val="35000"/>
+                </a:schemeClr>
+              </a:solidFill>
+              <a:latin typeface="Arial" panose="020B0604020202020204" pitchFamily="34" charset="0"/>
+              <a:ea typeface="微软雅黑" panose="020B0503020204020204" pitchFamily="34" charset="-122"/>
+              <a:sym typeface="+mn-ea"/>
+            </a:endParaRPr>
+          </a:p>
+          <a:p>
+            <a:pPr fontAlgn="auto">
+              <a:lnSpc>
+                <a:spcPct val="130000"/>
+              </a:lnSpc>
+              <a:spcBef>
+                <a:spcPts val="1000"/>
+              </a:spcBef>
+            </a:pPr>
+            <a:r>
+              <a:rPr lang="zh-CN" altLang="en-US" sz="1600" spc="100" dirty="0">
+                <a:solidFill>
+                  <a:schemeClr val="tx1">
+                    <a:lumMod val="65000"/>
+                    <a:lumOff val="35000"/>
+                  </a:schemeClr>
+                </a:solidFill>
+                <a:latin typeface="Arial" panose="020B0604020202020204" pitchFamily="34" charset="0"/>
+                <a:ea typeface="微软雅黑" panose="020B0503020204020204" pitchFamily="34" charset="-122"/>
+                <a:sym typeface="+mn-ea"/>
+              </a:rPr>
+              <a:t>缺点：有较多的超参数，提高了训练的难度。</a:t>
+            </a:r>
+            <a:endParaRPr lang="zh-CN" altLang="en-US" sz="1600" spc="100" dirty="0">
+              <a:solidFill>
+                <a:schemeClr val="tx1">
+                  <a:lumMod val="65000"/>
+                  <a:lumOff val="35000"/>
+                </a:schemeClr>
+              </a:solidFill>
+              <a:latin typeface="Arial" panose="020B0604020202020204" pitchFamily="34" charset="0"/>
+              <a:ea typeface="微软雅黑" panose="020B0503020204020204" pitchFamily="34" charset="-122"/>
+              <a:sym typeface="+mn-ea"/>
+            </a:endParaRPr>
+          </a:p>
+        </p:txBody>
+      </p:sp>
+    </p:spTree>
+    <p:custDataLst>
+      <p:tags r:id="rId16"/>
+    </p:custDataLst>
+  </p:cSld>
+  <p:clrMapOvr>
+    <a:masterClrMapping/>
+  </p:clrMapOvr>
+</p:sld>
+</file>
+
+<file path=ppt/slides/slide22.xml><?xml version="1.0" encoding="utf-8"?>
+<p:sld xmlns:a="http://schemas.openxmlformats.org/drawingml/2006/main" xmlns:r="http://schemas.openxmlformats.org/officeDocument/2006/relationships" xmlns:p="http://schemas.openxmlformats.org/presentationml/2006/main">
+  <p:cSld>
+    <p:spTree>
+      <p:nvGrpSpPr>
+        <p:cNvPr id="1" name=""/>
+        <p:cNvGrpSpPr/>
+        <p:nvPr/>
+      </p:nvGrpSpPr>
+      <p:grpSpPr>
+        <a:xfrm>
+          <a:off x="0" y="0"/>
+          <a:ext cx="0" cy="0"/>
+          <a:chOff x="0" y="0"/>
+          <a:chExt cx="0" cy="0"/>
+        </a:xfrm>
+      </p:grpSpPr>
+      <p:sp>
+        <p:nvSpPr>
+          <p:cNvPr id="4" name="矩形 3"/>
+          <p:cNvSpPr/>
+          <p:nvPr>
+            <p:custDataLst>
+              <p:tags r:id="rId1"/>
+            </p:custDataLst>
+          </p:nvPr>
+        </p:nvSpPr>
+        <p:spPr>
+          <a:xfrm>
+            <a:off x="0" y="953691"/>
+            <a:ext cx="12192000" cy="4950618"/>
+          </a:xfrm>
+          <a:prstGeom prst="rect">
+            <a:avLst/>
+          </a:prstGeom>
+          <a:solidFill>
+            <a:schemeClr val="tx2"/>
+          </a:solidFill>
+          <a:ln w="12700" cap="flat" cmpd="sng" algn="ctr">
+            <a:solidFill>
+              <a:schemeClr val="accent1">
+                <a:shade val="50000"/>
+                <a:alpha val="0"/>
+              </a:schemeClr>
+            </a:solidFill>
+            <a:prstDash val="solid"/>
+            <a:miter lim="800000"/>
+            <a:headEnd type="none" w="med" len="med"/>
+            <a:tailEnd type="none" w="med" len="med"/>
+          </a:ln>
+        </p:spPr>
+        <p:style>
+          <a:lnRef idx="2">
+            <a:schemeClr val="accent1">
+              <a:shade val="50000"/>
+            </a:schemeClr>
+          </a:lnRef>
+          <a:fillRef idx="1">
+            <a:schemeClr val="accent1"/>
+          </a:fillRef>
+          <a:effectRef idx="0">
+            <a:schemeClr val="accent1"/>
+          </a:effectRef>
+          <a:fontRef idx="minor">
+            <a:schemeClr val="lt1"/>
+          </a:fontRef>
+        </p:style>
+        <p:txBody>
+          <a:bodyPr wrap="square" rtlCol="0" anchor="ctr">
+            <a:normAutofit/>
+          </a:bodyPr>
+          <a:lstStyle/>
+          <a:p>
+            <a:pPr algn="ctr"/>
+            <a:endParaRPr lang="zh-CN" altLang="en-US">
+              <a:latin typeface="Arial" panose="020B0604020202020204" pitchFamily="34" charset="0"/>
+              <a:ea typeface="微软雅黑" panose="020B0503020204020204" pitchFamily="34" charset="-122"/>
+            </a:endParaRPr>
+          </a:p>
+        </p:txBody>
+      </p:sp>
+      <p:pic>
+        <p:nvPicPr>
           <p:cNvPr id="5" name="图片 4"/>
           <p:cNvPicPr/>
           <p:nvPr>
@@ -12863,7 +14260,974 @@
 </p:sld>
 </file>
 
-<file path=ppt/slides/slide22.xml><?xml version="1.0" encoding="utf-8"?>
+<file path=ppt/slides/slide23.xml><?xml version="1.0" encoding="utf-8"?>
+<p:sld xmlns:a="http://schemas.openxmlformats.org/drawingml/2006/main" xmlns:r="http://schemas.openxmlformats.org/officeDocument/2006/relationships" xmlns:p="http://schemas.openxmlformats.org/presentationml/2006/main">
+  <p:cSld>
+    <p:spTree>
+      <p:nvGrpSpPr>
+        <p:cNvPr id="1" name=""/>
+        <p:cNvGrpSpPr/>
+        <p:nvPr/>
+      </p:nvGrpSpPr>
+      <p:grpSpPr>
+        <a:xfrm>
+          <a:off x="0" y="0"/>
+          <a:ext cx="0" cy="0"/>
+          <a:chOff x="0" y="0"/>
+          <a:chExt cx="0" cy="0"/>
+        </a:xfrm>
+      </p:grpSpPr>
+      <p:sp>
+        <p:nvSpPr>
+          <p:cNvPr id="9" name="矩形 8"/>
+          <p:cNvSpPr/>
+          <p:nvPr>
+            <p:custDataLst>
+              <p:tags r:id="rId1"/>
+            </p:custDataLst>
+          </p:nvPr>
+        </p:nvSpPr>
+        <p:spPr>
+          <a:xfrm>
+            <a:off x="0" y="0"/>
+            <a:ext cx="12192000" cy="914400"/>
+          </a:xfrm>
+          <a:prstGeom prst="rect">
+            <a:avLst/>
+          </a:prstGeom>
+          <a:solidFill>
+            <a:schemeClr val="tx2"/>
+          </a:solidFill>
+          <a:ln w="12700" cap="flat" cmpd="sng" algn="ctr">
+            <a:solidFill>
+              <a:schemeClr val="accent1">
+                <a:shade val="50000"/>
+                <a:alpha val="0"/>
+              </a:schemeClr>
+            </a:solidFill>
+            <a:prstDash val="solid"/>
+            <a:miter lim="800000"/>
+            <a:headEnd type="none" w="med" len="med"/>
+            <a:tailEnd type="none" w="med" len="med"/>
+          </a:ln>
+        </p:spPr>
+        <p:style>
+          <a:lnRef idx="2">
+            <a:schemeClr val="accent1">
+              <a:shade val="50000"/>
+            </a:schemeClr>
+          </a:lnRef>
+          <a:fillRef idx="1">
+            <a:schemeClr val="accent1"/>
+          </a:fillRef>
+          <a:effectRef idx="0">
+            <a:schemeClr val="accent1"/>
+          </a:effectRef>
+          <a:fontRef idx="minor">
+            <a:schemeClr val="lt1"/>
+          </a:fontRef>
+        </p:style>
+        <p:txBody>
+          <a:bodyPr wrap="square" rtlCol="0" anchor="ctr">
+            <a:normAutofit/>
+          </a:bodyPr>
+          <a:lstStyle/>
+          <a:p>
+            <a:pPr algn="ctr"/>
+            <a:endParaRPr lang="zh-CN" altLang="en-US">
+              <a:latin typeface="Arial" panose="020B0604020202020204" pitchFamily="34" charset="0"/>
+              <a:ea typeface="微软雅黑" panose="020B0503020204020204" pitchFamily="34" charset="-122"/>
+            </a:endParaRPr>
+          </a:p>
+        </p:txBody>
+      </p:sp>
+      <p:pic>
+        <p:nvPicPr>
+          <p:cNvPr id="10" name="图片 9"/>
+          <p:cNvPicPr/>
+          <p:nvPr>
+            <p:custDataLst>
+              <p:tags r:id="rId2"/>
+            </p:custDataLst>
+          </p:nvPr>
+        </p:nvPicPr>
+        <p:blipFill>
+          <a:blip r:embed="rId3" r:link="rId4" cstate="screen"/>
+          <a:stretch>
+            <a:fillRect/>
+          </a:stretch>
+        </p:blipFill>
+        <p:spPr>
+          <a:xfrm>
+            <a:off x="11471910" y="6118373"/>
+            <a:ext cx="720090" cy="739627"/>
+          </a:xfrm>
+          <a:prstGeom prst="rect">
+            <a:avLst/>
+          </a:prstGeom>
+        </p:spPr>
+      </p:pic>
+      <p:pic>
+        <p:nvPicPr>
+          <p:cNvPr id="11" name="图片 10"/>
+          <p:cNvPicPr/>
+          <p:nvPr>
+            <p:custDataLst>
+              <p:tags r:id="rId5"/>
+            </p:custDataLst>
+          </p:nvPr>
+        </p:nvPicPr>
+        <p:blipFill>
+          <a:blip r:embed="rId6" r:link="rId7" cstate="screen"/>
+          <a:stretch>
+            <a:fillRect/>
+          </a:stretch>
+        </p:blipFill>
+        <p:spPr>
+          <a:xfrm>
+            <a:off x="0" y="6263800"/>
+            <a:ext cx="720090" cy="594200"/>
+          </a:xfrm>
+          <a:prstGeom prst="rect">
+            <a:avLst/>
+          </a:prstGeom>
+        </p:spPr>
+      </p:pic>
+      <p:sp>
+        <p:nvSpPr>
+          <p:cNvPr id="3" name="文本框 2"/>
+          <p:cNvSpPr txBox="1"/>
+          <p:nvPr>
+            <p:custDataLst>
+              <p:tags r:id="rId8"/>
+            </p:custDataLst>
+          </p:nvPr>
+        </p:nvSpPr>
+        <p:spPr>
+          <a:xfrm>
+            <a:off x="608950" y="2166969"/>
+            <a:ext cx="4923167" cy="3791554"/>
+          </a:xfrm>
+          <a:prstGeom prst="rect">
+            <a:avLst/>
+          </a:prstGeom>
+          <a:noFill/>
+        </p:spPr>
+        <p:txBody>
+          <a:bodyPr wrap="square" rtlCol="0">
+            <a:normAutofit lnSpcReduction="10000"/>
+          </a:bodyPr>
+          <a:lstStyle>
+            <a:defPPr>
+              <a:defRPr lang="zh-CN"/>
+            </a:defPPr>
+            <a:lvl1pPr marL="0" algn="l" defTabSz="914400" rtl="0" eaLnBrk="1" latinLnBrk="0" hangingPunct="1">
+              <a:defRPr sz="1800" kern="1200">
+                <a:solidFill>
+                  <a:schemeClr val="tx1"/>
+                </a:solidFill>
+                <a:latin typeface="+mn-lt"/>
+                <a:ea typeface="+mn-ea"/>
+                <a:cs typeface="+mn-cs"/>
+              </a:defRPr>
+            </a:lvl1pPr>
+            <a:lvl2pPr marL="457200" algn="l" defTabSz="914400" rtl="0" eaLnBrk="1" latinLnBrk="0" hangingPunct="1">
+              <a:defRPr sz="1800" kern="1200">
+                <a:solidFill>
+                  <a:schemeClr val="tx1"/>
+                </a:solidFill>
+                <a:latin typeface="+mn-lt"/>
+                <a:ea typeface="+mn-ea"/>
+                <a:cs typeface="+mn-cs"/>
+              </a:defRPr>
+            </a:lvl2pPr>
+            <a:lvl3pPr marL="914400" algn="l" defTabSz="914400" rtl="0" eaLnBrk="1" latinLnBrk="0" hangingPunct="1">
+              <a:defRPr sz="1800" kern="1200">
+                <a:solidFill>
+                  <a:schemeClr val="tx1"/>
+                </a:solidFill>
+                <a:latin typeface="+mn-lt"/>
+                <a:ea typeface="+mn-ea"/>
+                <a:cs typeface="+mn-cs"/>
+              </a:defRPr>
+            </a:lvl3pPr>
+            <a:lvl4pPr marL="1371600" algn="l" defTabSz="914400" rtl="0" eaLnBrk="1" latinLnBrk="0" hangingPunct="1">
+              <a:defRPr sz="1800" kern="1200">
+                <a:solidFill>
+                  <a:schemeClr val="tx1"/>
+                </a:solidFill>
+                <a:latin typeface="+mn-lt"/>
+                <a:ea typeface="+mn-ea"/>
+                <a:cs typeface="+mn-cs"/>
+              </a:defRPr>
+            </a:lvl4pPr>
+            <a:lvl5pPr marL="1828800" algn="l" defTabSz="914400" rtl="0" eaLnBrk="1" latinLnBrk="0" hangingPunct="1">
+              <a:defRPr sz="1800" kern="1200">
+                <a:solidFill>
+                  <a:schemeClr val="tx1"/>
+                </a:solidFill>
+                <a:latin typeface="+mn-lt"/>
+                <a:ea typeface="+mn-ea"/>
+                <a:cs typeface="+mn-cs"/>
+              </a:defRPr>
+            </a:lvl5pPr>
+            <a:lvl6pPr marL="2286000" algn="l" defTabSz="914400" rtl="0" eaLnBrk="1" latinLnBrk="0" hangingPunct="1">
+              <a:defRPr sz="1800" kern="1200">
+                <a:solidFill>
+                  <a:schemeClr val="tx1"/>
+                </a:solidFill>
+                <a:latin typeface="+mn-lt"/>
+                <a:ea typeface="+mn-ea"/>
+                <a:cs typeface="+mn-cs"/>
+              </a:defRPr>
+            </a:lvl6pPr>
+            <a:lvl7pPr marL="2743200" algn="l" defTabSz="914400" rtl="0" eaLnBrk="1" latinLnBrk="0" hangingPunct="1">
+              <a:defRPr sz="1800" kern="1200">
+                <a:solidFill>
+                  <a:schemeClr val="tx1"/>
+                </a:solidFill>
+                <a:latin typeface="+mn-lt"/>
+                <a:ea typeface="+mn-ea"/>
+                <a:cs typeface="+mn-cs"/>
+              </a:defRPr>
+            </a:lvl7pPr>
+            <a:lvl8pPr marL="3200400" algn="l" defTabSz="914400" rtl="0" eaLnBrk="1" latinLnBrk="0" hangingPunct="1">
+              <a:defRPr sz="1800" kern="1200">
+                <a:solidFill>
+                  <a:schemeClr val="tx1"/>
+                </a:solidFill>
+                <a:latin typeface="+mn-lt"/>
+                <a:ea typeface="+mn-ea"/>
+                <a:cs typeface="+mn-cs"/>
+              </a:defRPr>
+            </a:lvl8pPr>
+            <a:lvl9pPr marL="3657600" algn="l" defTabSz="914400" rtl="0" eaLnBrk="1" latinLnBrk="0" hangingPunct="1">
+              <a:defRPr sz="1800" kern="1200">
+                <a:solidFill>
+                  <a:schemeClr val="tx1"/>
+                </a:solidFill>
+                <a:latin typeface="+mn-lt"/>
+                <a:ea typeface="+mn-ea"/>
+                <a:cs typeface="+mn-cs"/>
+              </a:defRPr>
+            </a:lvl9pPr>
+          </a:lstStyle>
+          <a:p>
+            <a:pPr fontAlgn="auto">
+              <a:lnSpc>
+                <a:spcPct val="130000"/>
+              </a:lnSpc>
+              <a:spcBef>
+                <a:spcPts val="1000"/>
+              </a:spcBef>
+            </a:pPr>
+            <a:r>
+              <a:rPr lang="zh-CN" altLang="en-US" sz="1600" spc="100" dirty="0">
+                <a:solidFill>
+                  <a:schemeClr val="tx1">
+                    <a:lumMod val="65000"/>
+                    <a:lumOff val="35000"/>
+                  </a:schemeClr>
+                </a:solidFill>
+                <a:latin typeface="Arial" panose="020B0604020202020204" pitchFamily="34" charset="0"/>
+                <a:ea typeface="微软雅黑" panose="020B0503020204020204" pitchFamily="34" charset="-122"/>
+                <a:sym typeface="+mn-ea"/>
+              </a:rPr>
+              <a:t>优点：Wide &amp; Deep包括两部分：线性模型 + DNN部分。</a:t>
+            </a:r>
+            <a:r>
+              <a:rPr lang="zh-CN" altLang="en-US" sz="1600" spc="100" dirty="0">
+                <a:solidFill>
+                  <a:schemeClr val="tx1">
+                    <a:lumMod val="65000"/>
+                    <a:lumOff val="35000"/>
+                  </a:schemeClr>
+                </a:solidFill>
+                <a:latin typeface="Arial" panose="020B0604020202020204" pitchFamily="34" charset="0"/>
+                <a:ea typeface="微软雅黑" panose="020B0503020204020204" pitchFamily="34" charset="-122"/>
+                <a:sym typeface="+mn-ea"/>
+                <a:hlinkClick r:id="rId9" tooltip="" action="ppaction://hlinkfile"/>
+              </a:rPr>
+              <a:t>平衡memorization和generalization</a:t>
+            </a:r>
+            <a:r>
+              <a:rPr lang="zh-CN" altLang="en-US" sz="1600" spc="100" dirty="0">
+                <a:solidFill>
+                  <a:schemeClr val="tx1">
+                    <a:lumMod val="65000"/>
+                    <a:lumOff val="35000"/>
+                  </a:schemeClr>
+                </a:solidFill>
+                <a:latin typeface="Arial" panose="020B0604020202020204" pitchFamily="34" charset="0"/>
+                <a:ea typeface="微软雅黑" panose="020B0503020204020204" pitchFamily="34" charset="-122"/>
+                <a:sym typeface="+mn-ea"/>
+              </a:rPr>
+              <a:t>。</a:t>
+            </a:r>
+            <a:endParaRPr lang="zh-CN" altLang="en-US" sz="1600" spc="100" dirty="0">
+              <a:solidFill>
+                <a:schemeClr val="tx1">
+                  <a:lumMod val="65000"/>
+                  <a:lumOff val="35000"/>
+                </a:schemeClr>
+              </a:solidFill>
+              <a:latin typeface="Arial" panose="020B0604020202020204" pitchFamily="34" charset="0"/>
+              <a:ea typeface="微软雅黑" panose="020B0503020204020204" pitchFamily="34" charset="-122"/>
+              <a:sym typeface="+mn-ea"/>
+            </a:endParaRPr>
+          </a:p>
+          <a:p>
+            <a:pPr fontAlgn="auto">
+              <a:lnSpc>
+                <a:spcPct val="130000"/>
+              </a:lnSpc>
+              <a:spcBef>
+                <a:spcPts val="1000"/>
+              </a:spcBef>
+            </a:pPr>
+            <a:endParaRPr lang="zh-CN" altLang="en-US" sz="1600" spc="100" dirty="0">
+              <a:solidFill>
+                <a:schemeClr val="tx1">
+                  <a:lumMod val="65000"/>
+                  <a:lumOff val="35000"/>
+                </a:schemeClr>
+              </a:solidFill>
+              <a:latin typeface="Arial" panose="020B0604020202020204" pitchFamily="34" charset="0"/>
+              <a:ea typeface="微软雅黑" panose="020B0503020204020204" pitchFamily="34" charset="-122"/>
+              <a:sym typeface="+mn-ea"/>
+            </a:endParaRPr>
+          </a:p>
+          <a:p>
+            <a:pPr fontAlgn="auto">
+              <a:lnSpc>
+                <a:spcPct val="130000"/>
+              </a:lnSpc>
+              <a:spcBef>
+                <a:spcPts val="1000"/>
+              </a:spcBef>
+            </a:pPr>
+            <a:endParaRPr lang="zh-CN" altLang="en-US" sz="1600" spc="100" dirty="0">
+              <a:solidFill>
+                <a:schemeClr val="tx1">
+                  <a:lumMod val="65000"/>
+                  <a:lumOff val="35000"/>
+                </a:schemeClr>
+              </a:solidFill>
+              <a:latin typeface="Arial" panose="020B0604020202020204" pitchFamily="34" charset="0"/>
+              <a:ea typeface="微软雅黑" panose="020B0503020204020204" pitchFamily="34" charset="-122"/>
+              <a:sym typeface="+mn-ea"/>
+            </a:endParaRPr>
+          </a:p>
+          <a:p>
+            <a:pPr fontAlgn="auto">
+              <a:lnSpc>
+                <a:spcPct val="130000"/>
+              </a:lnSpc>
+              <a:spcBef>
+                <a:spcPts val="1000"/>
+              </a:spcBef>
+            </a:pPr>
+            <a:r>
+              <a:rPr lang="zh-CN" altLang="en-US" sz="1600" spc="100" dirty="0">
+                <a:solidFill>
+                  <a:schemeClr val="tx1">
+                    <a:lumMod val="65000"/>
+                    <a:lumOff val="35000"/>
+                  </a:schemeClr>
+                </a:solidFill>
+                <a:latin typeface="Arial" panose="020B0604020202020204" pitchFamily="34" charset="0"/>
+                <a:ea typeface="微软雅黑" panose="020B0503020204020204" pitchFamily="34" charset="-122"/>
+                <a:sym typeface="+mn-ea"/>
+              </a:rPr>
+              <a:t>缺点：偏向于提取低阶或者高阶的组合特征，不能同时提取这两种类型的特征，对用户不友好</a:t>
+            </a:r>
+            <a:endParaRPr lang="zh-CN" altLang="en-US" sz="1600" spc="100" dirty="0">
+              <a:solidFill>
+                <a:schemeClr val="tx1">
+                  <a:lumMod val="65000"/>
+                  <a:lumOff val="35000"/>
+                </a:schemeClr>
+              </a:solidFill>
+              <a:latin typeface="Arial" panose="020B0604020202020204" pitchFamily="34" charset="0"/>
+              <a:ea typeface="微软雅黑" panose="020B0503020204020204" pitchFamily="34" charset="-122"/>
+              <a:sym typeface="+mn-ea"/>
+            </a:endParaRPr>
+          </a:p>
+        </p:txBody>
+      </p:sp>
+      <p:sp>
+        <p:nvSpPr>
+          <p:cNvPr id="4" name="文本框 3"/>
+          <p:cNvSpPr txBox="1"/>
+          <p:nvPr>
+            <p:custDataLst>
+              <p:tags r:id="rId10"/>
+            </p:custDataLst>
+          </p:nvPr>
+        </p:nvSpPr>
+        <p:spPr>
+          <a:xfrm>
+            <a:off x="608951" y="1629704"/>
+            <a:ext cx="4923158" cy="461665"/>
+          </a:xfrm>
+          <a:prstGeom prst="rect">
+            <a:avLst/>
+          </a:prstGeom>
+          <a:noFill/>
+        </p:spPr>
+        <p:txBody>
+          <a:bodyPr wrap="square" rtlCol="0">
+            <a:normAutofit fontScale="90000"/>
+          </a:bodyPr>
+          <a:lstStyle/>
+          <a:p>
+            <a:r>
+              <a:rPr lang="en-US" altLang="zh-CN" sz="2400" b="1" dirty="0">
+                <a:solidFill>
+                  <a:schemeClr val="tx1">
+                    <a:lumMod val="85000"/>
+                    <a:lumOff val="15000"/>
+                  </a:schemeClr>
+                </a:solidFill>
+                <a:latin typeface="Arial" panose="020B0604020202020204" pitchFamily="34" charset="0"/>
+                <a:ea typeface="微软雅黑" panose="020B0503020204020204" pitchFamily="34" charset="-122"/>
+              </a:rPr>
+              <a:t>Wide </a:t>
+            </a:r>
+            <a:r>
+              <a:rPr lang="zh-CN" altLang="en-US" sz="2400" b="1" dirty="0">
+                <a:solidFill>
+                  <a:schemeClr val="tx1">
+                    <a:lumMod val="85000"/>
+                    <a:lumOff val="15000"/>
+                  </a:schemeClr>
+                </a:solidFill>
+                <a:latin typeface="Arial" panose="020B0604020202020204" pitchFamily="34" charset="0"/>
+                <a:ea typeface="微软雅黑" panose="020B0503020204020204" pitchFamily="34" charset="-122"/>
+              </a:rPr>
+              <a:t>＆ </a:t>
+            </a:r>
+            <a:r>
+              <a:rPr lang="en-US" altLang="zh-CN" sz="2400" b="1" dirty="0">
+                <a:solidFill>
+                  <a:schemeClr val="tx1">
+                    <a:lumMod val="85000"/>
+                    <a:lumOff val="15000"/>
+                  </a:schemeClr>
+                </a:solidFill>
+                <a:latin typeface="Arial" panose="020B0604020202020204" pitchFamily="34" charset="0"/>
+                <a:ea typeface="微软雅黑" panose="020B0503020204020204" pitchFamily="34" charset="-122"/>
+              </a:rPr>
+              <a:t>Deep Model</a:t>
+            </a:r>
+            <a:endParaRPr lang="en-US" altLang="zh-CN" sz="2400" b="1" dirty="0">
+              <a:solidFill>
+                <a:schemeClr val="tx1">
+                  <a:lumMod val="85000"/>
+                  <a:lumOff val="15000"/>
+                </a:schemeClr>
+              </a:solidFill>
+              <a:latin typeface="Arial" panose="020B0604020202020204" pitchFamily="34" charset="0"/>
+              <a:ea typeface="微软雅黑" panose="020B0503020204020204" pitchFamily="34" charset="-122"/>
+            </a:endParaRPr>
+          </a:p>
+        </p:txBody>
+      </p:sp>
+      <p:cxnSp>
+        <p:nvCxnSpPr>
+          <p:cNvPr id="5" name="直接连接符 4"/>
+          <p:cNvCxnSpPr/>
+          <p:nvPr>
+            <p:custDataLst>
+              <p:tags r:id="rId11"/>
+            </p:custDataLst>
+          </p:nvPr>
+        </p:nvCxnSpPr>
+        <p:spPr>
+          <a:xfrm>
+            <a:off x="6096275" y="1629704"/>
+            <a:ext cx="0" cy="4328819"/>
+          </a:xfrm>
+          <a:prstGeom prst="line">
+            <a:avLst/>
+          </a:prstGeom>
+          <a:ln>
+            <a:solidFill>
+              <a:schemeClr val="bg1">
+                <a:lumMod val="85000"/>
+              </a:schemeClr>
+            </a:solidFill>
+            <a:prstDash val="dash"/>
+          </a:ln>
+        </p:spPr>
+        <p:style>
+          <a:lnRef idx="1">
+            <a:schemeClr val="accent1"/>
+          </a:lnRef>
+          <a:fillRef idx="0">
+            <a:schemeClr val="accent1"/>
+          </a:fillRef>
+          <a:effectRef idx="0">
+            <a:schemeClr val="accent1"/>
+          </a:effectRef>
+          <a:fontRef idx="minor">
+            <a:schemeClr val="tx1"/>
+          </a:fontRef>
+        </p:style>
+      </p:cxnSp>
+      <p:sp>
+        <p:nvSpPr>
+          <p:cNvPr id="6" name="文本框 5"/>
+          <p:cNvSpPr txBox="1"/>
+          <p:nvPr>
+            <p:custDataLst>
+              <p:tags r:id="rId12"/>
+            </p:custDataLst>
+          </p:nvPr>
+        </p:nvSpPr>
+        <p:spPr>
+          <a:xfrm>
+            <a:off x="6659881" y="2166969"/>
+            <a:ext cx="4923167" cy="3791554"/>
+          </a:xfrm>
+          <a:prstGeom prst="rect">
+            <a:avLst/>
+          </a:prstGeom>
+          <a:noFill/>
+        </p:spPr>
+        <p:txBody>
+          <a:bodyPr wrap="square" rtlCol="0">
+            <a:normAutofit lnSpcReduction="10000"/>
+          </a:bodyPr>
+          <a:lstStyle>
+            <a:defPPr>
+              <a:defRPr lang="zh-CN"/>
+            </a:defPPr>
+            <a:lvl1pPr marL="0" algn="l" defTabSz="914400" rtl="0" eaLnBrk="1" latinLnBrk="0" hangingPunct="1">
+              <a:defRPr sz="1800" kern="1200">
+                <a:solidFill>
+                  <a:schemeClr val="tx1"/>
+                </a:solidFill>
+                <a:latin typeface="+mn-lt"/>
+                <a:ea typeface="+mn-ea"/>
+                <a:cs typeface="+mn-cs"/>
+              </a:defRPr>
+            </a:lvl1pPr>
+            <a:lvl2pPr marL="457200" algn="l" defTabSz="914400" rtl="0" eaLnBrk="1" latinLnBrk="0" hangingPunct="1">
+              <a:defRPr sz="1800" kern="1200">
+                <a:solidFill>
+                  <a:schemeClr val="tx1"/>
+                </a:solidFill>
+                <a:latin typeface="+mn-lt"/>
+                <a:ea typeface="+mn-ea"/>
+                <a:cs typeface="+mn-cs"/>
+              </a:defRPr>
+            </a:lvl2pPr>
+            <a:lvl3pPr marL="914400" algn="l" defTabSz="914400" rtl="0" eaLnBrk="1" latinLnBrk="0" hangingPunct="1">
+              <a:defRPr sz="1800" kern="1200">
+                <a:solidFill>
+                  <a:schemeClr val="tx1"/>
+                </a:solidFill>
+                <a:latin typeface="+mn-lt"/>
+                <a:ea typeface="+mn-ea"/>
+                <a:cs typeface="+mn-cs"/>
+              </a:defRPr>
+            </a:lvl3pPr>
+            <a:lvl4pPr marL="1371600" algn="l" defTabSz="914400" rtl="0" eaLnBrk="1" latinLnBrk="0" hangingPunct="1">
+              <a:defRPr sz="1800" kern="1200">
+                <a:solidFill>
+                  <a:schemeClr val="tx1"/>
+                </a:solidFill>
+                <a:latin typeface="+mn-lt"/>
+                <a:ea typeface="+mn-ea"/>
+                <a:cs typeface="+mn-cs"/>
+              </a:defRPr>
+            </a:lvl4pPr>
+            <a:lvl5pPr marL="1828800" algn="l" defTabSz="914400" rtl="0" eaLnBrk="1" latinLnBrk="0" hangingPunct="1">
+              <a:defRPr sz="1800" kern="1200">
+                <a:solidFill>
+                  <a:schemeClr val="tx1"/>
+                </a:solidFill>
+                <a:latin typeface="+mn-lt"/>
+                <a:ea typeface="+mn-ea"/>
+                <a:cs typeface="+mn-cs"/>
+              </a:defRPr>
+            </a:lvl5pPr>
+            <a:lvl6pPr marL="2286000" algn="l" defTabSz="914400" rtl="0" eaLnBrk="1" latinLnBrk="0" hangingPunct="1">
+              <a:defRPr sz="1800" kern="1200">
+                <a:solidFill>
+                  <a:schemeClr val="tx1"/>
+                </a:solidFill>
+                <a:latin typeface="+mn-lt"/>
+                <a:ea typeface="+mn-ea"/>
+                <a:cs typeface="+mn-cs"/>
+              </a:defRPr>
+            </a:lvl6pPr>
+            <a:lvl7pPr marL="2743200" algn="l" defTabSz="914400" rtl="0" eaLnBrk="1" latinLnBrk="0" hangingPunct="1">
+              <a:defRPr sz="1800" kern="1200">
+                <a:solidFill>
+                  <a:schemeClr val="tx1"/>
+                </a:solidFill>
+                <a:latin typeface="+mn-lt"/>
+                <a:ea typeface="+mn-ea"/>
+                <a:cs typeface="+mn-cs"/>
+              </a:defRPr>
+            </a:lvl7pPr>
+            <a:lvl8pPr marL="3200400" algn="l" defTabSz="914400" rtl="0" eaLnBrk="1" latinLnBrk="0" hangingPunct="1">
+              <a:defRPr sz="1800" kern="1200">
+                <a:solidFill>
+                  <a:schemeClr val="tx1"/>
+                </a:solidFill>
+                <a:latin typeface="+mn-lt"/>
+                <a:ea typeface="+mn-ea"/>
+                <a:cs typeface="+mn-cs"/>
+              </a:defRPr>
+            </a:lvl8pPr>
+            <a:lvl9pPr marL="3657600" algn="l" defTabSz="914400" rtl="0" eaLnBrk="1" latinLnBrk="0" hangingPunct="1">
+              <a:defRPr sz="1800" kern="1200">
+                <a:solidFill>
+                  <a:schemeClr val="tx1"/>
+                </a:solidFill>
+                <a:latin typeface="+mn-lt"/>
+                <a:ea typeface="+mn-ea"/>
+                <a:cs typeface="+mn-cs"/>
+              </a:defRPr>
+            </a:lvl9pPr>
+          </a:lstStyle>
+          <a:p>
+            <a:pPr fontAlgn="auto">
+              <a:lnSpc>
+                <a:spcPct val="130000"/>
+              </a:lnSpc>
+              <a:spcBef>
+                <a:spcPts val="1000"/>
+              </a:spcBef>
+            </a:pPr>
+            <a:r>
+              <a:rPr lang="zh-CN" altLang="en-US" sz="1600" spc="100" dirty="0">
+                <a:solidFill>
+                  <a:schemeClr val="tx1">
+                    <a:lumMod val="65000"/>
+                    <a:lumOff val="35000"/>
+                  </a:schemeClr>
+                </a:solidFill>
+                <a:latin typeface="Arial" panose="020B0604020202020204" pitchFamily="34" charset="0"/>
+                <a:ea typeface="微软雅黑" panose="020B0503020204020204" pitchFamily="34" charset="-122"/>
+                <a:sym typeface="+mn-ea"/>
+              </a:rPr>
+              <a:t>优点：在</a:t>
+            </a:r>
+            <a:r>
+              <a:rPr lang="en-US" altLang="zh-CN" sz="1600" spc="100" dirty="0">
+                <a:solidFill>
+                  <a:schemeClr val="tx1">
+                    <a:lumMod val="65000"/>
+                    <a:lumOff val="35000"/>
+                  </a:schemeClr>
+                </a:solidFill>
+                <a:latin typeface="Arial" panose="020B0604020202020204" pitchFamily="34" charset="0"/>
+                <a:ea typeface="微软雅黑" panose="020B0503020204020204" pitchFamily="34" charset="-122"/>
+                <a:sym typeface="+mn-ea"/>
+              </a:rPr>
+              <a:t>wide </a:t>
+            </a:r>
+            <a:r>
+              <a:rPr lang="zh-CN" altLang="en-US" sz="1600" spc="100" dirty="0">
+                <a:solidFill>
+                  <a:schemeClr val="tx1">
+                    <a:lumMod val="65000"/>
+                    <a:lumOff val="35000"/>
+                  </a:schemeClr>
+                </a:solidFill>
+                <a:latin typeface="Arial" panose="020B0604020202020204" pitchFamily="34" charset="0"/>
+                <a:ea typeface="微软雅黑" panose="020B0503020204020204" pitchFamily="34" charset="-122"/>
+                <a:sym typeface="+mn-ea"/>
+              </a:rPr>
+              <a:t>＆ </a:t>
+            </a:r>
+            <a:r>
+              <a:rPr lang="en-US" altLang="zh-CN" sz="1600" spc="100" dirty="0">
+                <a:solidFill>
+                  <a:schemeClr val="tx1">
+                    <a:lumMod val="65000"/>
+                    <a:lumOff val="35000"/>
+                  </a:schemeClr>
+                </a:solidFill>
+                <a:latin typeface="Arial" panose="020B0604020202020204" pitchFamily="34" charset="0"/>
+                <a:ea typeface="微软雅黑" panose="020B0503020204020204" pitchFamily="34" charset="-122"/>
+                <a:sym typeface="+mn-ea"/>
+              </a:rPr>
+              <a:t>Deep</a:t>
+            </a:r>
+            <a:r>
+              <a:rPr lang="zh-CN" altLang="en-US" sz="1600" spc="100" dirty="0">
+                <a:solidFill>
+                  <a:schemeClr val="tx1">
+                    <a:lumMod val="65000"/>
+                    <a:lumOff val="35000"/>
+                  </a:schemeClr>
+                </a:solidFill>
+                <a:latin typeface="Arial" panose="020B0604020202020204" pitchFamily="34" charset="0"/>
+                <a:ea typeface="微软雅黑" panose="020B0503020204020204" pitchFamily="34" charset="-122"/>
+                <a:sym typeface="+mn-ea"/>
+              </a:rPr>
+              <a:t>基础上改进，不需要预训练</a:t>
+            </a:r>
+            <a:r>
+              <a:rPr lang="en-US" altLang="zh-CN" sz="1600" spc="100" dirty="0">
+                <a:solidFill>
+                  <a:schemeClr val="tx1">
+                    <a:lumMod val="65000"/>
+                    <a:lumOff val="35000"/>
+                  </a:schemeClr>
+                </a:solidFill>
+                <a:latin typeface="Arial" panose="020B0604020202020204" pitchFamily="34" charset="0"/>
+                <a:ea typeface="微软雅黑" panose="020B0503020204020204" pitchFamily="34" charset="-122"/>
+                <a:sym typeface="+mn-ea"/>
+              </a:rPr>
+              <a:t>FM</a:t>
+            </a:r>
+            <a:r>
+              <a:rPr lang="zh-CN" altLang="en-US" sz="1600" spc="100" dirty="0">
+                <a:solidFill>
+                  <a:schemeClr val="tx1">
+                    <a:lumMod val="65000"/>
+                    <a:lumOff val="35000"/>
+                  </a:schemeClr>
+                </a:solidFill>
+                <a:latin typeface="Arial" panose="020B0604020202020204" pitchFamily="34" charset="0"/>
+                <a:ea typeface="微软雅黑" panose="020B0503020204020204" pitchFamily="34" charset="-122"/>
+                <a:sym typeface="+mn-ea"/>
+              </a:rPr>
+              <a:t>，能够同时学习低阶和高阶的组合特征，可以更快，更精确的训练学习。不需要用户干预。</a:t>
+            </a:r>
+            <a:endParaRPr lang="zh-CN" altLang="en-US" sz="1600" spc="100" dirty="0">
+              <a:solidFill>
+                <a:schemeClr val="tx1">
+                  <a:lumMod val="65000"/>
+                  <a:lumOff val="35000"/>
+                </a:schemeClr>
+              </a:solidFill>
+              <a:latin typeface="Arial" panose="020B0604020202020204" pitchFamily="34" charset="0"/>
+              <a:ea typeface="微软雅黑" panose="020B0503020204020204" pitchFamily="34" charset="-122"/>
+              <a:sym typeface="+mn-ea"/>
+            </a:endParaRPr>
+          </a:p>
+          <a:p>
+            <a:pPr fontAlgn="auto">
+              <a:lnSpc>
+                <a:spcPct val="130000"/>
+              </a:lnSpc>
+              <a:spcBef>
+                <a:spcPts val="1000"/>
+              </a:spcBef>
+            </a:pPr>
+            <a:endParaRPr lang="zh-CN" altLang="en-US" sz="1600" spc="100" dirty="0">
+              <a:solidFill>
+                <a:schemeClr val="tx1">
+                  <a:lumMod val="65000"/>
+                  <a:lumOff val="35000"/>
+                </a:schemeClr>
+              </a:solidFill>
+              <a:latin typeface="Arial" panose="020B0604020202020204" pitchFamily="34" charset="0"/>
+              <a:ea typeface="微软雅黑" panose="020B0503020204020204" pitchFamily="34" charset="-122"/>
+              <a:sym typeface="+mn-ea"/>
+            </a:endParaRPr>
+          </a:p>
+          <a:p>
+            <a:pPr fontAlgn="auto">
+              <a:lnSpc>
+                <a:spcPct val="130000"/>
+              </a:lnSpc>
+              <a:spcBef>
+                <a:spcPts val="1000"/>
+              </a:spcBef>
+            </a:pPr>
+            <a:r>
+              <a:rPr lang="zh-CN" altLang="en-US" sz="1600" spc="100" dirty="0">
+                <a:solidFill>
+                  <a:schemeClr val="tx1">
+                    <a:lumMod val="65000"/>
+                    <a:lumOff val="35000"/>
+                  </a:schemeClr>
+                </a:solidFill>
+                <a:latin typeface="Arial" panose="020B0604020202020204" pitchFamily="34" charset="0"/>
+                <a:ea typeface="微软雅黑" panose="020B0503020204020204" pitchFamily="34" charset="-122"/>
+                <a:sym typeface="+mn-ea"/>
+              </a:rPr>
+              <a:t>缺点：整体架构上没有什么特别多的新颖地方。</a:t>
+            </a:r>
+            <a:endParaRPr lang="zh-CN" altLang="en-US" sz="1600" spc="100" dirty="0">
+              <a:solidFill>
+                <a:schemeClr val="tx1">
+                  <a:lumMod val="65000"/>
+                  <a:lumOff val="35000"/>
+                </a:schemeClr>
+              </a:solidFill>
+              <a:latin typeface="Arial" panose="020B0604020202020204" pitchFamily="34" charset="0"/>
+              <a:ea typeface="微软雅黑" panose="020B0503020204020204" pitchFamily="34" charset="-122"/>
+              <a:sym typeface="+mn-ea"/>
+            </a:endParaRPr>
+          </a:p>
+        </p:txBody>
+      </p:sp>
+      <p:sp>
+        <p:nvSpPr>
+          <p:cNvPr id="7" name="文本框 6"/>
+          <p:cNvSpPr txBox="1"/>
+          <p:nvPr>
+            <p:custDataLst>
+              <p:tags r:id="rId13"/>
+            </p:custDataLst>
+          </p:nvPr>
+        </p:nvSpPr>
+        <p:spPr>
+          <a:xfrm>
+            <a:off x="6659882" y="1629704"/>
+            <a:ext cx="4923158" cy="461665"/>
+          </a:xfrm>
+          <a:prstGeom prst="rect">
+            <a:avLst/>
+          </a:prstGeom>
+          <a:noFill/>
+        </p:spPr>
+        <p:txBody>
+          <a:bodyPr wrap="square" rtlCol="0">
+            <a:normAutofit/>
+          </a:bodyPr>
+          <a:lstStyle/>
+          <a:p>
+            <a:r>
+              <a:rPr lang="en-US" altLang="zh-CN" sz="2400" b="1" dirty="0">
+                <a:solidFill>
+                  <a:schemeClr val="tx1">
+                    <a:lumMod val="85000"/>
+                    <a:lumOff val="15000"/>
+                  </a:schemeClr>
+                </a:solidFill>
+                <a:latin typeface="Arial" panose="020B0604020202020204" pitchFamily="34" charset="0"/>
+                <a:ea typeface="微软雅黑" panose="020B0503020204020204" pitchFamily="34" charset="-122"/>
+              </a:rPr>
+              <a:t>DeepFM</a:t>
+            </a:r>
+            <a:endParaRPr lang="en-US" altLang="zh-CN" sz="2400" b="1" dirty="0">
+              <a:solidFill>
+                <a:schemeClr val="tx1">
+                  <a:lumMod val="85000"/>
+                  <a:lumOff val="15000"/>
+                </a:schemeClr>
+              </a:solidFill>
+              <a:latin typeface="Arial" panose="020B0604020202020204" pitchFamily="34" charset="0"/>
+              <a:ea typeface="微软雅黑" panose="020B0503020204020204" pitchFamily="34" charset="-122"/>
+            </a:endParaRPr>
+          </a:p>
+        </p:txBody>
+      </p:sp>
+      <p:sp>
+        <p:nvSpPr>
+          <p:cNvPr id="12" name="Title 6"/>
+          <p:cNvSpPr txBox="1"/>
+          <p:nvPr>
+            <p:custDataLst>
+              <p:tags r:id="rId14"/>
+            </p:custDataLst>
+          </p:nvPr>
+        </p:nvSpPr>
+        <p:spPr>
+          <a:xfrm>
+            <a:off x="608399" y="153000"/>
+            <a:ext cx="10974649" cy="608400"/>
+          </a:xfrm>
+          <a:prstGeom prst="rect">
+            <a:avLst/>
+          </a:prstGeom>
+          <a:noFill/>
+          <a:ln w="3175">
+            <a:noFill/>
+            <a:prstDash val="dash"/>
+          </a:ln>
+        </p:spPr>
+        <p:txBody>
+          <a:bodyPr wrap="square" lIns="72000" tIns="36000" rIns="72000" bIns="36000" anchor="b" anchorCtr="0">
+            <a:normAutofit/>
+          </a:bodyPr>
+          <a:lstStyle>
+            <a:lvl1pPr algn="l" defTabSz="913765" rtl="0" eaLnBrk="1" latinLnBrk="0" hangingPunct="1">
+              <a:lnSpc>
+                <a:spcPct val="90000"/>
+              </a:lnSpc>
+              <a:spcBef>
+                <a:spcPct val="0"/>
+              </a:spcBef>
+              <a:buNone/>
+              <a:defRPr lang="en-US" sz="2745" b="0" kern="1200" cap="none" spc="-49" baseline="0" dirty="0" smtClean="0">
+                <a:ln w="3175">
+                  <a:noFill/>
+                </a:ln>
+                <a:solidFill>
+                  <a:schemeClr val="tx1"/>
+                </a:solidFill>
+                <a:effectLst/>
+                <a:latin typeface="+mj-lt"/>
+                <a:ea typeface="+mn-ea"/>
+                <a:cs typeface="Segoe UI" panose="020B0502040204020203" pitchFamily="34" charset="0"/>
+              </a:defRPr>
+            </a:lvl1pPr>
+          </a:lstStyle>
+          <a:p>
+            <a:pPr lvl="0">
+              <a:lnSpc>
+                <a:spcPct val="100000"/>
+              </a:lnSpc>
+            </a:pPr>
+            <a:r>
+              <a:rPr lang="zh-CN" altLang="en-US" sz="3200" b="1" spc="150" dirty="0">
+                <a:ln w="3175">
+                  <a:noFill/>
+                  <a:prstDash val="dash"/>
+                </a:ln>
+                <a:solidFill>
+                  <a:schemeClr val="tx1">
+                    <a:lumMod val="85000"/>
+                    <a:lumOff val="15000"/>
+                  </a:schemeClr>
+                </a:solidFill>
+                <a:latin typeface="Arial" panose="020B0604020202020204" pitchFamily="34" charset="0"/>
+                <a:ea typeface="微软雅黑" panose="020B0503020204020204" pitchFamily="34" charset="-122"/>
+                <a:cs typeface="微软雅黑" panose="020B0503020204020204" pitchFamily="34" charset="-122"/>
+              </a:rPr>
+              <a:t>算法比较</a:t>
+            </a:r>
+            <a:endParaRPr lang="zh-CN" altLang="en-US" sz="3200" b="1" spc="150" dirty="0">
+              <a:ln w="3175">
+                <a:noFill/>
+                <a:prstDash val="dash"/>
+              </a:ln>
+              <a:solidFill>
+                <a:schemeClr val="tx1">
+                  <a:lumMod val="85000"/>
+                  <a:lumOff val="15000"/>
+                </a:schemeClr>
+              </a:solidFill>
+              <a:latin typeface="Arial" panose="020B0604020202020204" pitchFamily="34" charset="0"/>
+              <a:ea typeface="微软雅黑" panose="020B0503020204020204" pitchFamily="34" charset="-122"/>
+              <a:cs typeface="微软雅黑" panose="020B0503020204020204" pitchFamily="34" charset="-122"/>
+            </a:endParaRPr>
+          </a:p>
+        </p:txBody>
+      </p:sp>
+    </p:spTree>
+    <p:custDataLst>
+      <p:tags r:id="rId15"/>
+    </p:custDataLst>
+  </p:cSld>
+  <p:clrMapOvr>
+    <a:masterClrMapping/>
+  </p:clrMapOvr>
+</p:sld>
+</file>
+
+<file path=ppt/slides/slide24.xml><?xml version="1.0" encoding="utf-8"?>
 <p:sld xmlns:a="http://schemas.openxmlformats.org/drawingml/2006/main" xmlns:r="http://schemas.openxmlformats.org/officeDocument/2006/relationships" xmlns:p="http://schemas.openxmlformats.org/presentationml/2006/main">
   <p:cSld>
     <p:spTree>
@@ -13079,67 +15443,6 @@
                 <a:cs typeface="微软雅黑" panose="020B0503020204020204" pitchFamily="34" charset="-122"/>
               </a:rPr>
               <a:t>语义搜索</a:t>
-            </a:r>
-            <a:endParaRPr lang="zh-CN" altLang="en-US" sz="1800" spc="50" dirty="0">
-              <a:ln w="3175">
-                <a:noFill/>
-                <a:prstDash val="dash"/>
-              </a:ln>
-              <a:solidFill>
-                <a:schemeClr val="tx1">
-                  <a:lumMod val="65000"/>
-                  <a:lumOff val="35000"/>
-                </a:schemeClr>
-              </a:solidFill>
-              <a:latin typeface="Arial" panose="020B0604020202020204" pitchFamily="34" charset="0"/>
-              <a:ea typeface="微软雅黑" panose="020B0503020204020204" pitchFamily="34" charset="-122"/>
-              <a:cs typeface="微软雅黑" panose="020B0503020204020204" pitchFamily="34" charset="-122"/>
-            </a:endParaRPr>
-          </a:p>
-          <a:p>
-            <a:pPr lvl="0">
-              <a:lnSpc>
-                <a:spcPct val="140000"/>
-              </a:lnSpc>
-              <a:spcAft>
-                <a:spcPts val="800"/>
-              </a:spcAft>
-            </a:pPr>
-            <a:r>
-              <a:rPr lang="zh-CN" altLang="en-US" sz="1800" spc="50" dirty="0">
-                <a:ln w="3175">
-                  <a:noFill/>
-                  <a:prstDash val="dash"/>
-                </a:ln>
-                <a:solidFill>
-                  <a:schemeClr val="tx1">
-                    <a:lumMod val="65000"/>
-                    <a:lumOff val="35000"/>
-                  </a:schemeClr>
-                </a:solidFill>
-                <a:latin typeface="Arial" panose="020B0604020202020204" pitchFamily="34" charset="0"/>
-                <a:ea typeface="微软雅黑" panose="020B0503020204020204" pitchFamily="34" charset="-122"/>
-                <a:cs typeface="微软雅黑" panose="020B0503020204020204" pitchFamily="34" charset="-122"/>
-              </a:rPr>
-              <a:t>还在搜集资料，构思框架中</a:t>
-            </a:r>
-            <a:r>
-              <a:rPr altLang="zh-CN" sz="1800" spc="50" dirty="0">
-                <a:ln w="3175">
-                  <a:noFill/>
-                  <a:prstDash val="dash"/>
-                </a:ln>
-                <a:solidFill>
-                  <a:schemeClr val="tx1">
-                    <a:lumMod val="65000"/>
-                    <a:lumOff val="35000"/>
-                  </a:schemeClr>
-                </a:solidFill>
-                <a:latin typeface="Arial" panose="020B0604020202020204" pitchFamily="34" charset="0"/>
-                <a:ea typeface="微软雅黑" panose="020B0503020204020204" pitchFamily="34" charset="-122"/>
-                <a:cs typeface="微软雅黑" panose="020B0503020204020204" pitchFamily="34" charset="-122"/>
-              </a:rPr>
-              <a:t>...</a:t>
             </a:r>
             <a:endParaRPr altLang="zh-CN" sz="1800" spc="50" dirty="0">
               <a:ln w="3175">
@@ -13334,7 +15637,7 @@
 </p:sld>
 </file>
 
-<file path=ppt/slides/slide23.xml><?xml version="1.0" encoding="utf-8"?>
+<file path=ppt/slides/slide25.xml><?xml version="1.0" encoding="utf-8"?>
 <p:sld xmlns:a="http://schemas.openxmlformats.org/drawingml/2006/main" xmlns:r="http://schemas.openxmlformats.org/officeDocument/2006/relationships" xmlns:p="http://schemas.openxmlformats.org/presentationml/2006/main">
   <p:cSld>
     <p:spTree>
@@ -13431,7 +15734,7 @@
 </p:sld>
 </file>
 
-<file path=ppt/slides/slide24.xml><?xml version="1.0" encoding="utf-8"?>
+<file path=ppt/slides/slide26.xml><?xml version="1.0" encoding="utf-8"?>
 <p:sld xmlns:a="http://schemas.openxmlformats.org/drawingml/2006/main" xmlns:r="http://schemas.openxmlformats.org/officeDocument/2006/relationships" xmlns:p="http://schemas.openxmlformats.org/presentationml/2006/main">
   <p:cSld>
     <p:spTree>
@@ -13808,7 +16111,7 @@
 </p:sld>
 </file>
 
-<file path=ppt/slides/slide25.xml><?xml version="1.0" encoding="utf-8"?>
+<file path=ppt/slides/slide27.xml><?xml version="1.0" encoding="utf-8"?>
 <p:sld xmlns:a="http://schemas.openxmlformats.org/drawingml/2006/main" xmlns:r="http://schemas.openxmlformats.org/officeDocument/2006/relationships" xmlns:p="http://schemas.openxmlformats.org/presentationml/2006/main">
   <p:cSld>
     <p:spTree>
@@ -14201,7 +16504,7 @@
 </p:sld>
 </file>
 
-<file path=ppt/slides/slide26.xml><?xml version="1.0" encoding="utf-8"?>
+<file path=ppt/slides/slide28.xml><?xml version="1.0" encoding="utf-8"?>
 <p:sld xmlns:a="http://schemas.openxmlformats.org/drawingml/2006/main" xmlns:r="http://schemas.openxmlformats.org/officeDocument/2006/relationships" xmlns:p="http://schemas.openxmlformats.org/presentationml/2006/main">
   <p:cSld>
     <p:spTree>
@@ -16248,9 +18551,39 @@
           </a:p>
         </p:txBody>
       </p:sp>
+      <p:pic>
+        <p:nvPicPr>
+          <p:cNvPr id="2" name="图片 1"/>
+          <p:cNvPicPr>
+            <a:picLocks noChangeAspect="1"/>
+          </p:cNvPicPr>
+          <p:nvPr/>
+        </p:nvPicPr>
+        <p:blipFill>
+          <a:blip r:embed="rId14">
+            <a:extLst>
+              <a:ext uri="{28A0092B-C50C-407E-A947-70E740481C1C}">
+                <a14:useLocalDpi xmlns:a14="http://schemas.microsoft.com/office/drawing/2010/main" val="0"/>
+              </a:ext>
+            </a:extLst>
+          </a:blip>
+          <a:stretch>
+            <a:fillRect/>
+          </a:stretch>
+        </p:blipFill>
+        <p:spPr>
+          <a:xfrm>
+            <a:off x="9485630" y="1951990"/>
+            <a:ext cx="2416810" cy="3684270"/>
+          </a:xfrm>
+          <a:prstGeom prst="rect">
+            <a:avLst/>
+          </a:prstGeom>
+        </p:spPr>
+      </p:pic>
     </p:spTree>
     <p:custDataLst>
-      <p:tags r:id="rId14"/>
+      <p:tags r:id="rId15"/>
     </p:custDataLst>
   </p:cSld>
   <p:clrMapOvr>
@@ -21834,6 +24167,278 @@
 
 <file path=ppt/tags/tag235.xml><?xml version="1.0" encoding="utf-8"?>
 <p:tagLst xmlns:p="http://schemas.openxmlformats.org/presentationml/2006/main">
+  <p:tag name="KSO_WM_SLIDE_BACKGROUND_TYPE" val="navigation"/>
+  <p:tag name="KSO_WM_UNIT_SUBTYPE" val="h"/>
+  <p:tag name="KSO_WM_TEMPLATE_CATEGORY" val="custom"/>
+  <p:tag name="KSO_WM_TEMPLATE_INDEX" val="20204371"/>
+  <p:tag name="KSO_WM_UNIT_ID" val="custom20204371_10*i*1"/>
+  <p:tag name="KSO_WM_UNIT_TYPE" val="i"/>
+  <p:tag name="KSO_WM_UNIT_INDEX" val="1"/>
+  <p:tag name="KSO_WM_UNIT_HIGHLIGHT" val="0"/>
+  <p:tag name="KSO_WM_UNIT_COMPATIBLE" val="0"/>
+  <p:tag name="KSO_WM_UNIT_DIAGRAM_ISNUMVISUAL" val="0"/>
+  <p:tag name="KSO_WM_UNIT_DIAGRAM_ISREFERUNIT" val="0"/>
+  <p:tag name="KSO_WM_UNIT_BK_DARK_LIGHT" val="2"/>
+  <p:tag name="KSO_WM_UNIT_LAYERLEVEL" val="1"/>
+  <p:tag name="KSO_WM_TAG_VERSION" val="1.0"/>
+  <p:tag name="KSO_WM_BEAUTIFY_FLAG" val="#wm#"/>
+</p:tagLst>
+</file>
+
+<file path=ppt/tags/tag236.xml><?xml version="1.0" encoding="utf-8"?>
+<p:tagLst xmlns:p="http://schemas.openxmlformats.org/presentationml/2006/main">
+  <p:tag name="KSO_WM_SLIDE_BACKGROUND_TYPE" val="navigation"/>
+  <p:tag name="KSO_WM_TEMPLATE_CATEGORY" val="custom"/>
+  <p:tag name="KSO_WM_TEMPLATE_INDEX" val="20204371"/>
+  <p:tag name="KSO_WM_UNIT_TYPE" val="i"/>
+  <p:tag name="KSO_WM_UNIT_INDEX" val="1"/>
+  <p:tag name="KSO_WM_UNIT_HIGHLIGHT" val="0"/>
+  <p:tag name="KSO_WM_UNIT_COMPATIBLE" val="0"/>
+  <p:tag name="KSO_WM_UNIT_DIAGRAM_ISNUMVISUAL" val="0"/>
+  <p:tag name="KSO_WM_UNIT_DIAGRAM_ISREFERUNIT" val="0"/>
+  <p:tag name="KSO_WM_UNIT_ID" val="custom20204371_10*i*1"/>
+  <p:tag name="KSO_WM_UNIT_LAYERLEVEL" val="1"/>
+  <p:tag name="KSO_WM_TAG_VERSION" val="1.0"/>
+  <p:tag name="KSO_WM_BEAUTIFY_FLAG" val="#wm#"/>
+</p:tagLst>
+</file>
+
+<file path=ppt/tags/tag237.xml><?xml version="1.0" encoding="utf-8"?>
+<p:tagLst xmlns:p="http://schemas.openxmlformats.org/presentationml/2006/main">
+  <p:tag name="KSO_WM_SLIDE_BACKGROUND_TYPE" val="navigation"/>
+  <p:tag name="KSO_WM_TEMPLATE_CATEGORY" val="custom"/>
+  <p:tag name="KSO_WM_TEMPLATE_INDEX" val="20204371"/>
+  <p:tag name="KSO_WM_UNIT_TYPE" val="i"/>
+  <p:tag name="KSO_WM_UNIT_INDEX" val="2"/>
+  <p:tag name="KSO_WM_UNIT_HIGHLIGHT" val="0"/>
+  <p:tag name="KSO_WM_UNIT_COMPATIBLE" val="0"/>
+  <p:tag name="KSO_WM_UNIT_DIAGRAM_ISNUMVISUAL" val="0"/>
+  <p:tag name="KSO_WM_UNIT_DIAGRAM_ISREFERUNIT" val="0"/>
+  <p:tag name="KSO_WM_UNIT_ID" val="custom20204371_10*i*2"/>
+  <p:tag name="KSO_WM_UNIT_LAYERLEVEL" val="1"/>
+  <p:tag name="KSO_WM_TAG_VERSION" val="1.0"/>
+  <p:tag name="KSO_WM_BEAUTIFY_FLAG" val="#wm#"/>
+</p:tagLst>
+</file>
+
+<file path=ppt/tags/tag238.xml><?xml version="1.0" encoding="utf-8"?>
+<p:tagLst xmlns:p="http://schemas.openxmlformats.org/presentationml/2006/main">
+  <p:tag name="KSO_WM_UNIT_HIGHLIGHT" val="0"/>
+  <p:tag name="KSO_WM_UNIT_COMPATIBLE" val="0"/>
+  <p:tag name="KSO_WM_UNIT_DIAGRAM_ISNUMVISUAL" val="0"/>
+  <p:tag name="KSO_WM_UNIT_DIAGRAM_ISREFERUNIT" val="0"/>
+  <p:tag name="KSO_WM_UNIT_LAYERLEVEL" val="1_1"/>
+  <p:tag name="KSO_WM_TAG_VERSION" val="1.0"/>
+  <p:tag name="KSO_WM_BEAUTIFY_FLAG" val="#wm#"/>
+  <p:tag name="KSO_WM_UNIT_NOCLEAR" val="0"/>
+  <p:tag name="KSO_WM_UNIT_VALUE" val="276"/>
+  <p:tag name="KSO_WM_UNIT_TYPE" val="h_f"/>
+  <p:tag name="KSO_WM_UNIT_INDEX" val="1_1"/>
+  <p:tag name="KSO_WM_UNIT_BLOCK" val="0"/>
+  <p:tag name="KSO_WM_UNIT_IS_LAYOUT_DIAGRAM" val="1"/>
+  <p:tag name="KSO_WM_TEMPLATE_CATEGORY" val="custom"/>
+  <p:tag name="KSO_WM_TEMPLATE_INDEX" val="20204371"/>
+  <p:tag name="KSO_WM_UNIT_ID" val="custom20204371_10*h_f*1_1"/>
+  <p:tag name="KSO_WM_UNIT_PRESET_TEXT" val="单击此处输入你的正文，文字是您思想的提炼，为了最终演示发布的良好效果，请尽量言简意赅的阐述观点；根据需要可酌情增减文字，以便观者可以准确理解您所传达的信息。&#13;您的正文已经简明扼要，字字珠玑，但信息却错综复杂，需要用更多的文字来表述；但请您尽可能提炼思想的精髓，否则容易造成观者的阅读压力，适得其反。&#13;正如我们都希望改变世界，希望给人带去光明，但更多时候只需播下一颗种子，自然有微光照拂，雨露滋养。"/>
+</p:tagLst>
+</file>
+
+<file path=ppt/tags/tag239.xml><?xml version="1.0" encoding="utf-8"?>
+<p:tagLst xmlns:p="http://schemas.openxmlformats.org/presentationml/2006/main">
+  <p:tag name="KSO_WM_UNIT_HIGHLIGHT" val="0"/>
+  <p:tag name="KSO_WM_UNIT_COMPATIBLE" val="0"/>
+  <p:tag name="KSO_WM_UNIT_DIAGRAM_ISNUMVISUAL" val="0"/>
+  <p:tag name="KSO_WM_UNIT_DIAGRAM_ISREFERUNIT" val="0"/>
+  <p:tag name="KSO_WM_UNIT_LAYERLEVEL" val="1_1"/>
+  <p:tag name="KSO_WM_TAG_VERSION" val="1.0"/>
+  <p:tag name="KSO_WM_BEAUTIFY_FLAG" val="#wm#"/>
+  <p:tag name="KSO_WM_UNIT_ISCONTENTSTITLE" val="0"/>
+  <p:tag name="KSO_WM_UNIT_NOCLEAR" val="0"/>
+  <p:tag name="KSO_WM_UNIT_VALUE" val="18"/>
+  <p:tag name="KSO_WM_UNIT_TYPE" val="h_a"/>
+  <p:tag name="KSO_WM_UNIT_INDEX" val="1_1"/>
+  <p:tag name="KSO_WM_UNIT_BLOCK" val="0"/>
+  <p:tag name="KSO_WM_UNIT_IS_LAYOUT_DIAGRAM" val="1"/>
+  <p:tag name="KSO_WM_TEMPLATE_CATEGORY" val="custom"/>
+  <p:tag name="KSO_WM_TEMPLATE_INDEX" val="20204371"/>
+  <p:tag name="KSO_WM_UNIT_ID" val="custom20204371_10*h_a*1_1"/>
+  <p:tag name="KSO_WM_UNIT_PRESET_TEXT" val="单击此处添加小标题"/>
+</p:tagLst>
+</file>
+
+<file path=ppt/tags/tag24.xml><?xml version="1.0" encoding="utf-8"?>
+<p:tagLst xmlns:p="http://schemas.openxmlformats.org/presentationml/2006/main">
+  <p:tag name="KSO_WM_UNIT_HIGHLIGHT" val="0"/>
+  <p:tag name="KSO_WM_UNIT_COMPATIBLE" val="0"/>
+  <p:tag name="KSO_WM_UNIT_DIAGRAM_ISNUMVISUAL" val="0"/>
+  <p:tag name="KSO_WM_UNIT_DIAGRAM_ISREFERUNIT" val="0"/>
+  <p:tag name="KSO_WM_UNIT_ID" val="_4**"/>
+  <p:tag name="KSO_WM_UNIT_LAYERLEVEL" val="1"/>
+  <p:tag name="KSO_WM_TAG_VERSION" val="1.0"/>
+  <p:tag name="KSO_WM_BEAUTIFY_FLAG" val="#wm#"/>
+</p:tagLst>
+</file>
+
+<file path=ppt/tags/tag240.xml><?xml version="1.0" encoding="utf-8"?>
+<p:tagLst xmlns:p="http://schemas.openxmlformats.org/presentationml/2006/main">
+  <p:tag name="KSO_WM_UNIT_HIGHLIGHT" val="0"/>
+  <p:tag name="KSO_WM_UNIT_COMPATIBLE" val="0"/>
+  <p:tag name="KSO_WM_UNIT_DIAGRAM_ISNUMVISUAL" val="0"/>
+  <p:tag name="KSO_WM_UNIT_DIAGRAM_ISREFERUNIT" val="0"/>
+  <p:tag name="KSO_WM_UNIT_LAYERLEVEL" val="1"/>
+  <p:tag name="KSO_WM_TAG_VERSION" val="1.0"/>
+  <p:tag name="KSO_WM_BEAUTIFY_FLAG" val="#wm#"/>
+  <p:tag name="KSO_WM_UNIT_TYPE" val="z"/>
+  <p:tag name="KSO_WM_UNIT_INDEX" val="1"/>
+  <p:tag name="KSO_WM_UNIT_BLOCK" val="0"/>
+  <p:tag name="KSO_WM_UNIT_IS_LAYOUT_DIAGRAM" val="1"/>
+  <p:tag name="KSO_WM_UNIT_BK_DARK_LIGHT" val="1"/>
+  <p:tag name="KSO_WM_TEMPLATE_CATEGORY" val="custom"/>
+  <p:tag name="KSO_WM_TEMPLATE_INDEX" val="20204371"/>
+  <p:tag name="KSO_WM_UNIT_ID" val="custom20204371_10*z*1"/>
+</p:tagLst>
+</file>
+
+<file path=ppt/tags/tag241.xml><?xml version="1.0" encoding="utf-8"?>
+<p:tagLst xmlns:p="http://schemas.openxmlformats.org/presentationml/2006/main">
+  <p:tag name="KSO_WM_UNIT_HIGHLIGHT" val="0"/>
+  <p:tag name="KSO_WM_UNIT_COMPATIBLE" val="0"/>
+  <p:tag name="KSO_WM_UNIT_DIAGRAM_ISNUMVISUAL" val="0"/>
+  <p:tag name="KSO_WM_UNIT_DIAGRAM_ISREFERUNIT" val="0"/>
+  <p:tag name="KSO_WM_UNIT_LAYERLEVEL" val="1_1"/>
+  <p:tag name="KSO_WM_TAG_VERSION" val="1.0"/>
+  <p:tag name="KSO_WM_BEAUTIFY_FLAG" val="#wm#"/>
+  <p:tag name="KSO_WM_UNIT_NOCLEAR" val="0"/>
+  <p:tag name="KSO_WM_UNIT_TYPE" val="h_f"/>
+  <p:tag name="KSO_WM_UNIT_INDEX" val="2_1"/>
+  <p:tag name="KSO_WM_UNIT_BLOCK" val="0"/>
+  <p:tag name="KSO_WM_UNIT_IS_LAYOUT_DIAGRAM" val="1"/>
+  <p:tag name="KSO_WM_UNIT_VALUE" val="276"/>
+  <p:tag name="KSO_WM_TEMPLATE_CATEGORY" val="custom"/>
+  <p:tag name="KSO_WM_TEMPLATE_INDEX" val="20204371"/>
+  <p:tag name="KSO_WM_UNIT_ID" val="custom20204371_10*h_f*2_1"/>
+  <p:tag name="KSO_WM_UNIT_PRESET_TEXT" val="单击此处输入你的正文，文字是您思想的提炼，为了最终演示发布的良好效果，请尽量言简意赅的阐述观点；根据需要可酌情增减文字，以便观者可以准确理解您所传达的信息。&#13;您的正文已经简明扼要，字字珠玑，但信息却错综复杂，需要用更多的文字来表述；但请您尽可能提炼思想的精髓，否则容易造成观者的阅读压力，适得其反。&#13;正如我们都希望改变世界，希望给人带去光明，但更多时候只需播下一颗种子，自然有微光照拂，雨露滋养。"/>
+</p:tagLst>
+</file>
+
+<file path=ppt/tags/tag242.xml><?xml version="1.0" encoding="utf-8"?>
+<p:tagLst xmlns:p="http://schemas.openxmlformats.org/presentationml/2006/main">
+  <p:tag name="KSO_WM_UNIT_HIGHLIGHT" val="0"/>
+  <p:tag name="KSO_WM_UNIT_COMPATIBLE" val="0"/>
+  <p:tag name="KSO_WM_UNIT_DIAGRAM_ISNUMVISUAL" val="0"/>
+  <p:tag name="KSO_WM_UNIT_DIAGRAM_ISREFERUNIT" val="0"/>
+  <p:tag name="KSO_WM_UNIT_LAYERLEVEL" val="1_1"/>
+  <p:tag name="KSO_WM_TAG_VERSION" val="1.0"/>
+  <p:tag name="KSO_WM_BEAUTIFY_FLAG" val="#wm#"/>
+  <p:tag name="KSO_WM_UNIT_ISCONTENTSTITLE" val="0"/>
+  <p:tag name="KSO_WM_UNIT_NOCLEAR" val="0"/>
+  <p:tag name="KSO_WM_UNIT_TYPE" val="h_a"/>
+  <p:tag name="KSO_WM_UNIT_INDEX" val="2_1"/>
+  <p:tag name="KSO_WM_UNIT_BLOCK" val="0"/>
+  <p:tag name="KSO_WM_UNIT_IS_LAYOUT_DIAGRAM" val="1"/>
+  <p:tag name="KSO_WM_UNIT_VALUE" val="18"/>
+  <p:tag name="KSO_WM_TEMPLATE_CATEGORY" val="custom"/>
+  <p:tag name="KSO_WM_TEMPLATE_INDEX" val="20204371"/>
+  <p:tag name="KSO_WM_UNIT_ID" val="custom20204371_10*h_a*2_1"/>
+  <p:tag name="KSO_WM_UNIT_PRESET_TEXT" val="单击此处添加小标题"/>
+</p:tagLst>
+</file>
+
+<file path=ppt/tags/tag243.xml><?xml version="1.0" encoding="utf-8"?>
+<p:tagLst xmlns:p="http://schemas.openxmlformats.org/presentationml/2006/main">
+  <p:tag name="KSO_WM_UNIT_ISCONTENTSTITLE" val="0"/>
+  <p:tag name="KSO_WM_UNIT_NOCLEAR" val="0"/>
+  <p:tag name="KSO_WM_UNIT_HIGHLIGHT" val="0"/>
+  <p:tag name="KSO_WM_UNIT_COMPATIBLE" val="0"/>
+  <p:tag name="KSO_WM_UNIT_DIAGRAM_ISNUMVISUAL" val="0"/>
+  <p:tag name="KSO_WM_UNIT_DIAGRAM_ISREFERUNIT" val="0"/>
+  <p:tag name="KSO_WM_UNIT_LAYERLEVEL" val="1"/>
+  <p:tag name="KSO_WM_TAG_VERSION" val="1.0"/>
+  <p:tag name="KSO_WM_BEAUTIFY_FLAG" val="#wm#"/>
+  <p:tag name="KSO_WM_UNIT_TYPE" val="a"/>
+  <p:tag name="KSO_WM_UNIT_INDEX" val="1"/>
+  <p:tag name="KSO_WM_UNIT_VALUE" val="30"/>
+  <p:tag name="KSO_WM_UNIT_DEFAULT_FONT" val="28;32;4"/>
+  <p:tag name="KSO_WM_UNIT_BLOCK" val="0"/>
+  <p:tag name="KSO_WM_TEMPLATE_CATEGORY" val="custom"/>
+  <p:tag name="KSO_WM_TEMPLATE_INDEX" val="20204371"/>
+  <p:tag name="KSO_WM_UNIT_ID" val="custom20204371_10*a*1"/>
+  <p:tag name="KSO_WM_UNIT_PRESET_TEXT" val="单击此处添加大标题"/>
+</p:tagLst>
+</file>
+
+<file path=ppt/tags/tag244.xml><?xml version="1.0" encoding="utf-8"?>
+<p:tagLst xmlns:p="http://schemas.openxmlformats.org/presentationml/2006/main">
+  <p:tag name="KSO_WM_UNIT_HIGHLIGHT" val="0"/>
+  <p:tag name="KSO_WM_UNIT_COMPATIBLE" val="0"/>
+  <p:tag name="KSO_WM_UNIT_DIAGRAM_ISNUMVISUAL" val="0"/>
+  <p:tag name="KSO_WM_UNIT_DIAGRAM_ISREFERUNIT" val="0"/>
+  <p:tag name="KSO_WM_UNIT_LAYERLEVEL" val="1_1"/>
+  <p:tag name="KSO_WM_TAG_VERSION" val="1.0"/>
+  <p:tag name="KSO_WM_BEAUTIFY_FLAG" val="#wm#"/>
+  <p:tag name="KSO_WM_UNIT_ISCONTENTSTITLE" val="0"/>
+  <p:tag name="KSO_WM_UNIT_NOCLEAR" val="0"/>
+  <p:tag name="KSO_WM_UNIT_VALUE" val="18"/>
+  <p:tag name="KSO_WM_UNIT_TYPE" val="h_a"/>
+  <p:tag name="KSO_WM_UNIT_INDEX" val="1_1"/>
+  <p:tag name="KSO_WM_UNIT_BLOCK" val="0"/>
+  <p:tag name="KSO_WM_UNIT_IS_LAYOUT_DIAGRAM" val="1"/>
+  <p:tag name="KSO_WM_TEMPLATE_CATEGORY" val="custom"/>
+  <p:tag name="KSO_WM_TEMPLATE_INDEX" val="20204371"/>
+  <p:tag name="KSO_WM_UNIT_ID" val="custom20204371_10*h_a*1_1"/>
+  <p:tag name="KSO_WM_UNIT_PRESET_TEXT" val="单击此处添加小标题"/>
+</p:tagLst>
+</file>
+
+<file path=ppt/tags/tag245.xml><?xml version="1.0" encoding="utf-8"?>
+<p:tagLst xmlns:p="http://schemas.openxmlformats.org/presentationml/2006/main">
+  <p:tag name="KSO_WM_UNIT_HIGHLIGHT" val="0"/>
+  <p:tag name="KSO_WM_UNIT_COMPATIBLE" val="0"/>
+  <p:tag name="KSO_WM_UNIT_DIAGRAM_ISNUMVISUAL" val="0"/>
+  <p:tag name="KSO_WM_UNIT_DIAGRAM_ISREFERUNIT" val="0"/>
+  <p:tag name="KSO_WM_UNIT_LAYERLEVEL" val="1_1"/>
+  <p:tag name="KSO_WM_TAG_VERSION" val="1.0"/>
+  <p:tag name="KSO_WM_BEAUTIFY_FLAG" val="#wm#"/>
+  <p:tag name="KSO_WM_UNIT_NOCLEAR" val="0"/>
+  <p:tag name="KSO_WM_UNIT_VALUE" val="276"/>
+  <p:tag name="KSO_WM_UNIT_TYPE" val="h_f"/>
+  <p:tag name="KSO_WM_UNIT_INDEX" val="1_1"/>
+  <p:tag name="KSO_WM_UNIT_BLOCK" val="0"/>
+  <p:tag name="KSO_WM_UNIT_IS_LAYOUT_DIAGRAM" val="1"/>
+  <p:tag name="KSO_WM_TEMPLATE_CATEGORY" val="custom"/>
+  <p:tag name="KSO_WM_TEMPLATE_INDEX" val="20204371"/>
+  <p:tag name="KSO_WM_UNIT_ID" val="custom20204371_10*h_f*1_1"/>
+  <p:tag name="KSO_WM_UNIT_PRESET_TEXT" val="单击此处输入你的正文，文字是您思想的提炼，为了最终演示发布的良好效果，请尽量言简意赅的阐述观点；根据需要可酌情增减文字，以便观者可以准确理解您所传达的信息。&#13;您的正文已经简明扼要，字字珠玑，但信息却错综复杂，需要用更多的文字来表述；但请您尽可能提炼思想的精髓，否则容易造成观者的阅读压力，适得其反。&#13;正如我们都希望改变世界，希望给人带去光明，但更多时候只需播下一颗种子，自然有微光照拂，雨露滋养。"/>
+</p:tagLst>
+</file>
+
+<file path=ppt/tags/tag246.xml><?xml version="1.0" encoding="utf-8"?>
+<p:tagLst xmlns:p="http://schemas.openxmlformats.org/presentationml/2006/main">
+  <p:tag name="KSO_WM_TEMPLATE_SUBCATEGORY" val="0"/>
+  <p:tag name="KSO_WM_SLIDE_TYPE" val="text"/>
+  <p:tag name="KSO_WM_SLIDE_SUBTYPE" val="pureTxt"/>
+  <p:tag name="KSO_WM_SLIDE_ITEM_CNT" val="0"/>
+  <p:tag name="KSO_WM_SLIDE_INDEX" val="10"/>
+  <p:tag name="KSO_WM_SLIDE_SIZE" val="864.102*298.548"/>
+  <p:tag name="KSO_WM_SLIDE_POSITION" val="47.9488*170.627"/>
+  <p:tag name="KSO_WM_TAG_VERSION" val="1.0"/>
+  <p:tag name="KSO_WM_BEAUTIFY_FLAG" val="#wm#"/>
+  <p:tag name="KSO_WM_SLIDE_LAYOUT" val="a_i_z_h"/>
+  <p:tag name="KSO_WM_SLIDE_LAYOUT_CNT" val="1_1_1_2"/>
+  <p:tag name="KSO_WM_SLIDE_LAYOUT_INFO" val="{&quot;direction&quot;:0,&quot;horizontalAlign&quot;:-1,&quot;verticalAlign&quot;:-1,&quot;type&quot;:0,&quot;diagramDirection&quot;:0,&quot;canSetOverLayout&quot;:0,&quot;isOverLayout&quot;:0,&quot;normalSize&quot;:{&quot;size1&quot;:13.3},&quot;minSize&quot;:{&quot;size1&quot;:13.3},&quot;maxSize&quot;:{&quot;size1&quot;:13.3},&quot;edge&quot;:{&quot;left&quot;:true,&quot;top&quot;:true,&quot;right&quot;:true,&quot;bottom&quot;:true},&quot;backgroundInfo&quot;:[{&quot;type&quot;:&quot;navigation&quot;,&quot;left&quot;:0.0,&quot;top&quot;:0.0,&quot;right&quot;:0.0,&quot;bottom&quot;:0.0,&quot;leftAbs&quot;:false,&quot;topAbs&quot;:false,&quot;rightAbs&quot;:false,&quot;bottomAbs&quot;:false}],&quot;subLayout&quot;:[{&quot;direction&quot;:0,&quot;horizontalAlign&quot;:-1,&quot;verticalAlign&quot;:-1,&quot;type&quot;:0,&quot;diagramDirection&quot;:0,&quot;canSetOverLayout&quot;:0,&quot;isOverLayout&quot;:0,&quot;margin&quot;:{&quot;left&quot;:1.69,&quot;top&quot;:0.425,&quot;right&quot;:1.692,&quot;bottom&quot;:0.425},&quot;edge&quot;:{&quot;left&quot;:true,&quot;top&quot;:true,&quot;right&quot;:true,&quot;bottom&quot;:false}},{&quot;direction&quot;:0,&quot;horizontalAlign&quot;:-1,&quot;verticalAlign&quot;:-1,&quot;type&quot;:0,&quot;diagramDirection&quot;:0,&quot;canSetOverLayout&quot;:0,&quot;isOverLayout&quot;:0,&quot;margin&quot;:{&quot;left&quot;:1.69,&quot;top&quot;:1.27,&quot;right&quot;:1.69,&quot;bottom&quot;:2.54},&quot;edge&quot;:{&quot;left&quot;:true,&quot;top&quot;:false,&quot;right&quot;:true,&quot;bottom&quot;:true}}]}"/>
+  <p:tag name="KSO_WM_SLIDE_BACKGROUND" val="[&quot;navigation&quot;]"/>
+  <p:tag name="KSO_WM_SLIDE_RATIO" val="1.777778"/>
+  <p:tag name="KSO_WM_TEMPLATE_MASTER_TYPE" val="1"/>
+  <p:tag name="KSO_WM_TEMPLATE_COLOR_TYPE" val="1"/>
+  <p:tag name="KSO_WM_TEMPLATE_CATEGORY" val="custom"/>
+  <p:tag name="KSO_WM_TEMPLATE_INDEX" val="20204371"/>
+  <p:tag name="KSO_WM_SLIDE_ID" val="custom20204371_10"/>
+  <p:tag name="KSO_WM_SPECIAL_SOURCE" val="bdnull"/>
+</p:tagLst>
+</file>
+
+<file path=ppt/tags/tag247.xml><?xml version="1.0" encoding="utf-8"?>
+<p:tagLst xmlns:p="http://schemas.openxmlformats.org/presentationml/2006/main">
   <p:tag name="KSO_WM_SLIDE_BACKGROUND_TYPE" val="belt"/>
   <p:tag name="KSO_WM_UNIT_SUBTYPE" val="h"/>
   <p:tag name="KSO_WM_TEMPLATE_CATEGORY" val="custom"/>
@@ -21852,7 +24457,7 @@
 </p:tagLst>
 </file>
 
-<file path=ppt/tags/tag236.xml><?xml version="1.0" encoding="utf-8"?>
+<file path=ppt/tags/tag248.xml><?xml version="1.0" encoding="utf-8"?>
 <p:tagLst xmlns:p="http://schemas.openxmlformats.org/presentationml/2006/main">
   <p:tag name="KSO_WM_SLIDE_BACKGROUND_TYPE" val="belt"/>
   <p:tag name="KSO_WM_TEMPLATE_CATEGORY" val="custom"/>
@@ -21870,7 +24475,7 @@
 </p:tagLst>
 </file>
 
-<file path=ppt/tags/tag237.xml><?xml version="1.0" encoding="utf-8"?>
+<file path=ppt/tags/tag249.xml><?xml version="1.0" encoding="utf-8"?>
 <p:tagLst xmlns:p="http://schemas.openxmlformats.org/presentationml/2006/main">
   <p:tag name="KSO_WM_SLIDE_BACKGROUND_TYPE" val="belt"/>
   <p:tag name="KSO_WM_TEMPLATE_CATEGORY" val="custom"/>
@@ -21888,7 +24493,20 @@
 </p:tagLst>
 </file>
 
-<file path=ppt/tags/tag238.xml><?xml version="1.0" encoding="utf-8"?>
+<file path=ppt/tags/tag25.xml><?xml version="1.0" encoding="utf-8"?>
+<p:tagLst xmlns:p="http://schemas.openxmlformats.org/presentationml/2006/main">
+  <p:tag name="KSO_WM_UNIT_HIGHLIGHT" val="0"/>
+  <p:tag name="KSO_WM_UNIT_COMPATIBLE" val="0"/>
+  <p:tag name="KSO_WM_UNIT_DIAGRAM_ISNUMVISUAL" val="0"/>
+  <p:tag name="KSO_WM_UNIT_DIAGRAM_ISREFERUNIT" val="0"/>
+  <p:tag name="KSO_WM_UNIT_ID" val="_4**"/>
+  <p:tag name="KSO_WM_UNIT_LAYERLEVEL" val="1"/>
+  <p:tag name="KSO_WM_TAG_VERSION" val="1.0"/>
+  <p:tag name="KSO_WM_BEAUTIFY_FLAG" val="#wm#"/>
+</p:tagLst>
+</file>
+
+<file path=ppt/tags/tag250.xml><?xml version="1.0" encoding="utf-8"?>
 <p:tagLst xmlns:p="http://schemas.openxmlformats.org/presentationml/2006/main">
   <p:tag name="KSO_WM_UNIT_BLOCK" val="0"/>
   <p:tag name="KSO_WM_UNIT_ISCONTENTSTITLE" val="0"/>
@@ -21910,7 +24528,7 @@
 </p:tagLst>
 </file>
 
-<file path=ppt/tags/tag239.xml><?xml version="1.0" encoding="utf-8"?>
+<file path=ppt/tags/tag251.xml><?xml version="1.0" encoding="utf-8"?>
 <p:tagLst xmlns:p="http://schemas.openxmlformats.org/presentationml/2006/main">
   <p:tag name="KSO_WM_SLIDE_LAYOUT_INFO" val="{&quot;direction&quot;:0,&quot;horizontalAlign&quot;:-1,&quot;verticalAlign&quot;:-1,&quot;type&quot;:0,&quot;diagramDirection&quot;:0,&quot;canSetOverLayout&quot;:0,&quot;isOverLayout&quot;:0,&quot;edge&quot;:{&quot;left&quot;:true,&quot;top&quot;:true,&quot;right&quot;:true,&quot;bottom&quot;:true},&quot;backgroundInfo&quot;:[{&quot;type&quot;:&quot;general&quot;,&quot;left&quot;:0.0,&quot;top&quot;:0.0,&quot;right&quot;:0.0,&quot;bottom&quot;:0.0,&quot;leftAbs&quot;:false,&quot;topAbs&quot;:false,&quot;rightAbs&quot;:false,&quot;bottomAbs&quot;:false},{&quot;type&quot;:&quot;belt&quot;,&quot;left&quot;:0.0,&quot;top&quot;:0.0,&quot;right&quot;:0.0,&quot;bottom&quot;:0.0,&quot;leftAbs&quot;:false,&quot;topAbs&quot;:false,&quot;rightAbs&quot;:false,&quot;bottomAbs&quot;:false}]}"/>
   <p:tag name="KSO_WM_SLIDE_CAN_ADD_NAVIGATION" val="1"/>
@@ -21936,7 +24554,173 @@
 </p:tagLst>
 </file>
 
-<file path=ppt/tags/tag24.xml><?xml version="1.0" encoding="utf-8"?>
+<file path=ppt/tags/tag252.xml><?xml version="1.0" encoding="utf-8"?>
+<p:tagLst xmlns:p="http://schemas.openxmlformats.org/presentationml/2006/main">
+  <p:tag name="KSO_WM_SLIDE_BACKGROUND_TYPE" val="navigation"/>
+  <p:tag name="KSO_WM_UNIT_SUBTYPE" val="h"/>
+  <p:tag name="KSO_WM_TEMPLATE_CATEGORY" val="custom"/>
+  <p:tag name="KSO_WM_TEMPLATE_INDEX" val="20204371"/>
+  <p:tag name="KSO_WM_UNIT_ID" val="custom20204371_10*i*1"/>
+  <p:tag name="KSO_WM_UNIT_TYPE" val="i"/>
+  <p:tag name="KSO_WM_UNIT_INDEX" val="1"/>
+  <p:tag name="KSO_WM_UNIT_HIGHLIGHT" val="0"/>
+  <p:tag name="KSO_WM_UNIT_COMPATIBLE" val="0"/>
+  <p:tag name="KSO_WM_UNIT_DIAGRAM_ISNUMVISUAL" val="0"/>
+  <p:tag name="KSO_WM_UNIT_DIAGRAM_ISREFERUNIT" val="0"/>
+  <p:tag name="KSO_WM_UNIT_BK_DARK_LIGHT" val="2"/>
+  <p:tag name="KSO_WM_UNIT_LAYERLEVEL" val="1"/>
+  <p:tag name="KSO_WM_TAG_VERSION" val="1.0"/>
+  <p:tag name="KSO_WM_BEAUTIFY_FLAG" val="#wm#"/>
+</p:tagLst>
+</file>
+
+<file path=ppt/tags/tag253.xml><?xml version="1.0" encoding="utf-8"?>
+<p:tagLst xmlns:p="http://schemas.openxmlformats.org/presentationml/2006/main">
+  <p:tag name="KSO_WM_SLIDE_BACKGROUND_TYPE" val="navigation"/>
+  <p:tag name="KSO_WM_TEMPLATE_CATEGORY" val="custom"/>
+  <p:tag name="KSO_WM_TEMPLATE_INDEX" val="20204371"/>
+  <p:tag name="KSO_WM_UNIT_TYPE" val="i"/>
+  <p:tag name="KSO_WM_UNIT_INDEX" val="1"/>
+  <p:tag name="KSO_WM_UNIT_HIGHLIGHT" val="0"/>
+  <p:tag name="KSO_WM_UNIT_COMPATIBLE" val="0"/>
+  <p:tag name="KSO_WM_UNIT_DIAGRAM_ISNUMVISUAL" val="0"/>
+  <p:tag name="KSO_WM_UNIT_DIAGRAM_ISREFERUNIT" val="0"/>
+  <p:tag name="KSO_WM_UNIT_ID" val="custom20204371_10*i*1"/>
+  <p:tag name="KSO_WM_UNIT_LAYERLEVEL" val="1"/>
+  <p:tag name="KSO_WM_TAG_VERSION" val="1.0"/>
+  <p:tag name="KSO_WM_BEAUTIFY_FLAG" val="#wm#"/>
+</p:tagLst>
+</file>
+
+<file path=ppt/tags/tag254.xml><?xml version="1.0" encoding="utf-8"?>
+<p:tagLst xmlns:p="http://schemas.openxmlformats.org/presentationml/2006/main">
+  <p:tag name="KSO_WM_SLIDE_BACKGROUND_TYPE" val="navigation"/>
+  <p:tag name="KSO_WM_TEMPLATE_CATEGORY" val="custom"/>
+  <p:tag name="KSO_WM_TEMPLATE_INDEX" val="20204371"/>
+  <p:tag name="KSO_WM_UNIT_TYPE" val="i"/>
+  <p:tag name="KSO_WM_UNIT_INDEX" val="2"/>
+  <p:tag name="KSO_WM_UNIT_HIGHLIGHT" val="0"/>
+  <p:tag name="KSO_WM_UNIT_COMPATIBLE" val="0"/>
+  <p:tag name="KSO_WM_UNIT_DIAGRAM_ISNUMVISUAL" val="0"/>
+  <p:tag name="KSO_WM_UNIT_DIAGRAM_ISREFERUNIT" val="0"/>
+  <p:tag name="KSO_WM_UNIT_ID" val="custom20204371_10*i*2"/>
+  <p:tag name="KSO_WM_UNIT_LAYERLEVEL" val="1"/>
+  <p:tag name="KSO_WM_TAG_VERSION" val="1.0"/>
+  <p:tag name="KSO_WM_BEAUTIFY_FLAG" val="#wm#"/>
+</p:tagLst>
+</file>
+
+<file path=ppt/tags/tag255.xml><?xml version="1.0" encoding="utf-8"?>
+<p:tagLst xmlns:p="http://schemas.openxmlformats.org/presentationml/2006/main">
+  <p:tag name="KSO_WM_UNIT_HIGHLIGHT" val="0"/>
+  <p:tag name="KSO_WM_UNIT_COMPATIBLE" val="0"/>
+  <p:tag name="KSO_WM_UNIT_DIAGRAM_ISNUMVISUAL" val="0"/>
+  <p:tag name="KSO_WM_UNIT_DIAGRAM_ISREFERUNIT" val="0"/>
+  <p:tag name="KSO_WM_UNIT_LAYERLEVEL" val="1_1"/>
+  <p:tag name="KSO_WM_TAG_VERSION" val="1.0"/>
+  <p:tag name="KSO_WM_BEAUTIFY_FLAG" val="#wm#"/>
+  <p:tag name="KSO_WM_UNIT_NOCLEAR" val="0"/>
+  <p:tag name="KSO_WM_UNIT_VALUE" val="276"/>
+  <p:tag name="KSO_WM_UNIT_TYPE" val="h_f"/>
+  <p:tag name="KSO_WM_UNIT_INDEX" val="1_1"/>
+  <p:tag name="KSO_WM_UNIT_BLOCK" val="0"/>
+  <p:tag name="KSO_WM_UNIT_IS_LAYOUT_DIAGRAM" val="1"/>
+  <p:tag name="KSO_WM_TEMPLATE_CATEGORY" val="custom"/>
+  <p:tag name="KSO_WM_TEMPLATE_INDEX" val="20204371"/>
+  <p:tag name="KSO_WM_UNIT_ID" val="custom20204371_10*h_f*1_1"/>
+  <p:tag name="KSO_WM_UNIT_PRESET_TEXT" val="单击此处输入你的正文，文字是您思想的提炼，为了最终演示发布的良好效果，请尽量言简意赅的阐述观点；根据需要可酌情增减文字，以便观者可以准确理解您所传达的信息。&#13;您的正文已经简明扼要，字字珠玑，但信息却错综复杂，需要用更多的文字来表述；但请您尽可能提炼思想的精髓，否则容易造成观者的阅读压力，适得其反。&#13;正如我们都希望改变世界，希望给人带去光明，但更多时候只需播下一颗种子，自然有微光照拂，雨露滋养。"/>
+</p:tagLst>
+</file>
+
+<file path=ppt/tags/tag256.xml><?xml version="1.0" encoding="utf-8"?>
+<p:tagLst xmlns:p="http://schemas.openxmlformats.org/presentationml/2006/main">
+  <p:tag name="KSO_WM_UNIT_HIGHLIGHT" val="0"/>
+  <p:tag name="KSO_WM_UNIT_COMPATIBLE" val="0"/>
+  <p:tag name="KSO_WM_UNIT_DIAGRAM_ISNUMVISUAL" val="0"/>
+  <p:tag name="KSO_WM_UNIT_DIAGRAM_ISREFERUNIT" val="0"/>
+  <p:tag name="KSO_WM_UNIT_LAYERLEVEL" val="1_1"/>
+  <p:tag name="KSO_WM_TAG_VERSION" val="1.0"/>
+  <p:tag name="KSO_WM_BEAUTIFY_FLAG" val="#wm#"/>
+  <p:tag name="KSO_WM_UNIT_ISCONTENTSTITLE" val="0"/>
+  <p:tag name="KSO_WM_UNIT_NOCLEAR" val="0"/>
+  <p:tag name="KSO_WM_UNIT_VALUE" val="18"/>
+  <p:tag name="KSO_WM_UNIT_TYPE" val="h_a"/>
+  <p:tag name="KSO_WM_UNIT_INDEX" val="1_1"/>
+  <p:tag name="KSO_WM_UNIT_BLOCK" val="0"/>
+  <p:tag name="KSO_WM_UNIT_IS_LAYOUT_DIAGRAM" val="1"/>
+  <p:tag name="KSO_WM_TEMPLATE_CATEGORY" val="custom"/>
+  <p:tag name="KSO_WM_TEMPLATE_INDEX" val="20204371"/>
+  <p:tag name="KSO_WM_UNIT_ID" val="custom20204371_10*h_a*1_1"/>
+  <p:tag name="KSO_WM_UNIT_PRESET_TEXT" val="单击此处添加小标题"/>
+</p:tagLst>
+</file>
+
+<file path=ppt/tags/tag257.xml><?xml version="1.0" encoding="utf-8"?>
+<p:tagLst xmlns:p="http://schemas.openxmlformats.org/presentationml/2006/main">
+  <p:tag name="KSO_WM_UNIT_HIGHLIGHT" val="0"/>
+  <p:tag name="KSO_WM_UNIT_COMPATIBLE" val="0"/>
+  <p:tag name="KSO_WM_UNIT_DIAGRAM_ISNUMVISUAL" val="0"/>
+  <p:tag name="KSO_WM_UNIT_DIAGRAM_ISREFERUNIT" val="0"/>
+  <p:tag name="KSO_WM_UNIT_LAYERLEVEL" val="1"/>
+  <p:tag name="KSO_WM_TAG_VERSION" val="1.0"/>
+  <p:tag name="KSO_WM_BEAUTIFY_FLAG" val="#wm#"/>
+  <p:tag name="KSO_WM_UNIT_TYPE" val="z"/>
+  <p:tag name="KSO_WM_UNIT_INDEX" val="1"/>
+  <p:tag name="KSO_WM_UNIT_BLOCK" val="0"/>
+  <p:tag name="KSO_WM_UNIT_IS_LAYOUT_DIAGRAM" val="1"/>
+  <p:tag name="KSO_WM_UNIT_BK_DARK_LIGHT" val="1"/>
+  <p:tag name="KSO_WM_TEMPLATE_CATEGORY" val="custom"/>
+  <p:tag name="KSO_WM_TEMPLATE_INDEX" val="20204371"/>
+  <p:tag name="KSO_WM_UNIT_ID" val="custom20204371_10*z*1"/>
+</p:tagLst>
+</file>
+
+<file path=ppt/tags/tag258.xml><?xml version="1.0" encoding="utf-8"?>
+<p:tagLst xmlns:p="http://schemas.openxmlformats.org/presentationml/2006/main">
+  <p:tag name="KSO_WM_UNIT_HIGHLIGHT" val="0"/>
+  <p:tag name="KSO_WM_UNIT_COMPATIBLE" val="0"/>
+  <p:tag name="KSO_WM_UNIT_DIAGRAM_ISNUMVISUAL" val="0"/>
+  <p:tag name="KSO_WM_UNIT_DIAGRAM_ISREFERUNIT" val="0"/>
+  <p:tag name="KSO_WM_UNIT_LAYERLEVEL" val="1_1"/>
+  <p:tag name="KSO_WM_TAG_VERSION" val="1.0"/>
+  <p:tag name="KSO_WM_BEAUTIFY_FLAG" val="#wm#"/>
+  <p:tag name="KSO_WM_UNIT_NOCLEAR" val="0"/>
+  <p:tag name="KSO_WM_UNIT_TYPE" val="h_f"/>
+  <p:tag name="KSO_WM_UNIT_INDEX" val="2_1"/>
+  <p:tag name="KSO_WM_UNIT_BLOCK" val="0"/>
+  <p:tag name="KSO_WM_UNIT_IS_LAYOUT_DIAGRAM" val="1"/>
+  <p:tag name="KSO_WM_UNIT_VALUE" val="276"/>
+  <p:tag name="KSO_WM_TEMPLATE_CATEGORY" val="custom"/>
+  <p:tag name="KSO_WM_TEMPLATE_INDEX" val="20204371"/>
+  <p:tag name="KSO_WM_UNIT_ID" val="custom20204371_10*h_f*2_1"/>
+  <p:tag name="KSO_WM_UNIT_PRESET_TEXT" val="单击此处输入你的正文，文字是您思想的提炼，为了最终演示发布的良好效果，请尽量言简意赅的阐述观点；根据需要可酌情增减文字，以便观者可以准确理解您所传达的信息。&#13;您的正文已经简明扼要，字字珠玑，但信息却错综复杂，需要用更多的文字来表述；但请您尽可能提炼思想的精髓，否则容易造成观者的阅读压力，适得其反。&#13;正如我们都希望改变世界，希望给人带去光明，但更多时候只需播下一颗种子，自然有微光照拂，雨露滋养。"/>
+</p:tagLst>
+</file>
+
+<file path=ppt/tags/tag259.xml><?xml version="1.0" encoding="utf-8"?>
+<p:tagLst xmlns:p="http://schemas.openxmlformats.org/presentationml/2006/main">
+  <p:tag name="KSO_WM_UNIT_HIGHLIGHT" val="0"/>
+  <p:tag name="KSO_WM_UNIT_COMPATIBLE" val="0"/>
+  <p:tag name="KSO_WM_UNIT_DIAGRAM_ISNUMVISUAL" val="0"/>
+  <p:tag name="KSO_WM_UNIT_DIAGRAM_ISREFERUNIT" val="0"/>
+  <p:tag name="KSO_WM_UNIT_LAYERLEVEL" val="1_1"/>
+  <p:tag name="KSO_WM_TAG_VERSION" val="1.0"/>
+  <p:tag name="KSO_WM_BEAUTIFY_FLAG" val="#wm#"/>
+  <p:tag name="KSO_WM_UNIT_ISCONTENTSTITLE" val="0"/>
+  <p:tag name="KSO_WM_UNIT_NOCLEAR" val="0"/>
+  <p:tag name="KSO_WM_UNIT_TYPE" val="h_a"/>
+  <p:tag name="KSO_WM_UNIT_INDEX" val="2_1"/>
+  <p:tag name="KSO_WM_UNIT_BLOCK" val="0"/>
+  <p:tag name="KSO_WM_UNIT_IS_LAYOUT_DIAGRAM" val="1"/>
+  <p:tag name="KSO_WM_UNIT_VALUE" val="18"/>
+  <p:tag name="KSO_WM_TEMPLATE_CATEGORY" val="custom"/>
+  <p:tag name="KSO_WM_TEMPLATE_INDEX" val="20204371"/>
+  <p:tag name="KSO_WM_UNIT_ID" val="custom20204371_10*h_a*2_1"/>
+  <p:tag name="KSO_WM_UNIT_PRESET_TEXT" val="单击此处添加小标题"/>
+</p:tagLst>
+</file>
+
+<file path=ppt/tags/tag26.xml><?xml version="1.0" encoding="utf-8"?>
 <p:tagLst xmlns:p="http://schemas.openxmlformats.org/presentationml/2006/main">
   <p:tag name="KSO_WM_UNIT_HIGHLIGHT" val="0"/>
   <p:tag name="KSO_WM_UNIT_COMPATIBLE" val="0"/>
@@ -21949,7 +24733,55 @@
 </p:tagLst>
 </file>
 
-<file path=ppt/tags/tag240.xml><?xml version="1.0" encoding="utf-8"?>
+<file path=ppt/tags/tag260.xml><?xml version="1.0" encoding="utf-8"?>
+<p:tagLst xmlns:p="http://schemas.openxmlformats.org/presentationml/2006/main">
+  <p:tag name="KSO_WM_UNIT_ISCONTENTSTITLE" val="0"/>
+  <p:tag name="KSO_WM_UNIT_NOCLEAR" val="0"/>
+  <p:tag name="KSO_WM_UNIT_HIGHLIGHT" val="0"/>
+  <p:tag name="KSO_WM_UNIT_COMPATIBLE" val="0"/>
+  <p:tag name="KSO_WM_UNIT_DIAGRAM_ISNUMVISUAL" val="0"/>
+  <p:tag name="KSO_WM_UNIT_DIAGRAM_ISREFERUNIT" val="0"/>
+  <p:tag name="KSO_WM_UNIT_LAYERLEVEL" val="1"/>
+  <p:tag name="KSO_WM_TAG_VERSION" val="1.0"/>
+  <p:tag name="KSO_WM_BEAUTIFY_FLAG" val="#wm#"/>
+  <p:tag name="KSO_WM_UNIT_TYPE" val="a"/>
+  <p:tag name="KSO_WM_UNIT_INDEX" val="1"/>
+  <p:tag name="KSO_WM_UNIT_VALUE" val="30"/>
+  <p:tag name="KSO_WM_UNIT_DEFAULT_FONT" val="28;32;4"/>
+  <p:tag name="KSO_WM_UNIT_BLOCK" val="0"/>
+  <p:tag name="KSO_WM_TEMPLATE_CATEGORY" val="custom"/>
+  <p:tag name="KSO_WM_TEMPLATE_INDEX" val="20204371"/>
+  <p:tag name="KSO_WM_UNIT_ID" val="custom20204371_10*a*1"/>
+  <p:tag name="KSO_WM_UNIT_PRESET_TEXT" val="单击此处添加大标题"/>
+</p:tagLst>
+</file>
+
+<file path=ppt/tags/tag261.xml><?xml version="1.0" encoding="utf-8"?>
+<p:tagLst xmlns:p="http://schemas.openxmlformats.org/presentationml/2006/main">
+  <p:tag name="KSO_WM_TEMPLATE_SUBCATEGORY" val="0"/>
+  <p:tag name="KSO_WM_SLIDE_TYPE" val="text"/>
+  <p:tag name="KSO_WM_SLIDE_SUBTYPE" val="pureTxt"/>
+  <p:tag name="KSO_WM_SLIDE_ITEM_CNT" val="0"/>
+  <p:tag name="KSO_WM_SLIDE_INDEX" val="10"/>
+  <p:tag name="KSO_WM_SLIDE_SIZE" val="864.102*298.548"/>
+  <p:tag name="KSO_WM_SLIDE_POSITION" val="47.9488*170.627"/>
+  <p:tag name="KSO_WM_TAG_VERSION" val="1.0"/>
+  <p:tag name="KSO_WM_BEAUTIFY_FLAG" val="#wm#"/>
+  <p:tag name="KSO_WM_SLIDE_LAYOUT" val="a_i_z_h"/>
+  <p:tag name="KSO_WM_SLIDE_LAYOUT_CNT" val="1_1_1_2"/>
+  <p:tag name="KSO_WM_SLIDE_LAYOUT_INFO" val="{&quot;direction&quot;:0,&quot;horizontalAlign&quot;:-1,&quot;verticalAlign&quot;:-1,&quot;type&quot;:0,&quot;diagramDirection&quot;:0,&quot;canSetOverLayout&quot;:0,&quot;isOverLayout&quot;:0,&quot;normalSize&quot;:{&quot;size1&quot;:13.3},&quot;minSize&quot;:{&quot;size1&quot;:13.3},&quot;maxSize&quot;:{&quot;size1&quot;:13.3},&quot;edge&quot;:{&quot;left&quot;:true,&quot;top&quot;:true,&quot;right&quot;:true,&quot;bottom&quot;:true},&quot;backgroundInfo&quot;:[{&quot;type&quot;:&quot;navigation&quot;,&quot;left&quot;:0.0,&quot;top&quot;:0.0,&quot;right&quot;:0.0,&quot;bottom&quot;:0.0,&quot;leftAbs&quot;:false,&quot;topAbs&quot;:false,&quot;rightAbs&quot;:false,&quot;bottomAbs&quot;:false}],&quot;subLayout&quot;:[{&quot;direction&quot;:0,&quot;horizontalAlign&quot;:-1,&quot;verticalAlign&quot;:-1,&quot;type&quot;:0,&quot;diagramDirection&quot;:0,&quot;canSetOverLayout&quot;:0,&quot;isOverLayout&quot;:0,&quot;margin&quot;:{&quot;left&quot;:1.69,&quot;top&quot;:0.425,&quot;right&quot;:1.692,&quot;bottom&quot;:0.425},&quot;edge&quot;:{&quot;left&quot;:true,&quot;top&quot;:true,&quot;right&quot;:true,&quot;bottom&quot;:false}},{&quot;direction&quot;:0,&quot;horizontalAlign&quot;:-1,&quot;verticalAlign&quot;:-1,&quot;type&quot;:0,&quot;diagramDirection&quot;:0,&quot;canSetOverLayout&quot;:0,&quot;isOverLayout&quot;:0,&quot;margin&quot;:{&quot;left&quot;:1.69,&quot;top&quot;:1.27,&quot;right&quot;:1.69,&quot;bottom&quot;:2.54},&quot;edge&quot;:{&quot;left&quot;:true,&quot;top&quot;:false,&quot;right&quot;:true,&quot;bottom&quot;:true}}]}"/>
+  <p:tag name="KSO_WM_SLIDE_BACKGROUND" val="[&quot;navigation&quot;]"/>
+  <p:tag name="KSO_WM_SLIDE_RATIO" val="1.777778"/>
+  <p:tag name="KSO_WM_TEMPLATE_MASTER_TYPE" val="1"/>
+  <p:tag name="KSO_WM_TEMPLATE_COLOR_TYPE" val="1"/>
+  <p:tag name="KSO_WM_TEMPLATE_CATEGORY" val="custom"/>
+  <p:tag name="KSO_WM_TEMPLATE_INDEX" val="20204371"/>
+  <p:tag name="KSO_WM_SLIDE_ID" val="custom20204371_10"/>
+  <p:tag name="KSO_WM_SPECIAL_SOURCE" val="bdnull"/>
+</p:tagLst>
+</file>
+
+<file path=ppt/tags/tag262.xml><?xml version="1.0" encoding="utf-8"?>
 <p:tagLst xmlns:p="http://schemas.openxmlformats.org/presentationml/2006/main">
   <p:tag name="KSO_WM_SLIDE_BACKGROUND_TYPE" val="general"/>
   <p:tag name="KSO_WM_TEMPLATE_CATEGORY" val="custom"/>
@@ -21967,7 +24799,7 @@
 </p:tagLst>
 </file>
 
-<file path=ppt/tags/tag241.xml><?xml version="1.0" encoding="utf-8"?>
+<file path=ppt/tags/tag263.xml><?xml version="1.0" encoding="utf-8"?>
 <p:tagLst xmlns:p="http://schemas.openxmlformats.org/presentationml/2006/main">
   <p:tag name="KSO_WM_SLIDE_BACKGROUND_TYPE" val="general"/>
   <p:tag name="KSO_WM_TEMPLATE_CATEGORY" val="custom"/>
@@ -21985,7 +24817,7 @@
 </p:tagLst>
 </file>
 
-<file path=ppt/tags/tag242.xml><?xml version="1.0" encoding="utf-8"?>
+<file path=ppt/tags/tag264.xml><?xml version="1.0" encoding="utf-8"?>
 <p:tagLst xmlns:p="http://schemas.openxmlformats.org/presentationml/2006/main">
   <p:tag name="KSO_WM_UNIT_VALUE" val="1904*1128"/>
   <p:tag name="KSO_WM_UNIT_HIGHLIGHT" val="0"/>
@@ -22006,7 +24838,7 @@
 </p:tagLst>
 </file>
 
-<file path=ppt/tags/tag243.xml><?xml version="1.0" encoding="utf-8"?>
+<file path=ppt/tags/tag265.xml><?xml version="1.0" encoding="utf-8"?>
 <p:tagLst xmlns:p="http://schemas.openxmlformats.org/presentationml/2006/main">
   <p:tag name="KSO_WM_UNIT_NOCLEAR" val="0"/>
   <p:tag name="KSO_WM_UNIT_VALUE" val="36"/>
@@ -22028,7 +24860,7 @@
 </p:tagLst>
 </file>
 
-<file path=ppt/tags/tag244.xml><?xml version="1.0" encoding="utf-8"?>
+<file path=ppt/tags/tag266.xml><?xml version="1.0" encoding="utf-8"?>
 <p:tagLst xmlns:p="http://schemas.openxmlformats.org/presentationml/2006/main">
   <p:tag name="KSO_WM_UNIT_ISCONTENTSTITLE" val="0"/>
   <p:tag name="KSO_WM_UNIT_NOCLEAR" val="0"/>
@@ -22051,7 +24883,7 @@
 </p:tagLst>
 </file>
 
-<file path=ppt/tags/tag245.xml><?xml version="1.0" encoding="utf-8"?>
+<file path=ppt/tags/tag267.xml><?xml version="1.0" encoding="utf-8"?>
 <p:tagLst xmlns:p="http://schemas.openxmlformats.org/presentationml/2006/main">
   <p:tag name="KSO_WM_UNIT_HIGHLIGHT" val="0"/>
   <p:tag name="KSO_WM_UNIT_COMPATIBLE" val="0"/>
@@ -22070,7 +24902,7 @@
 </p:tagLst>
 </file>
 
-<file path=ppt/tags/tag246.xml><?xml version="1.0" encoding="utf-8"?>
+<file path=ppt/tags/tag268.xml><?xml version="1.0" encoding="utf-8"?>
 <p:tagLst xmlns:p="http://schemas.openxmlformats.org/presentationml/2006/main">
   <p:tag name="KSO_WM_UNIT_VALUE" val="1904*1128"/>
   <p:tag name="KSO_WM_UNIT_HIGHLIGHT" val="0"/>
@@ -22089,7 +24921,7 @@
 </p:tagLst>
 </file>
 
-<file path=ppt/tags/tag247.xml><?xml version="1.0" encoding="utf-8"?>
+<file path=ppt/tags/tag269.xml><?xml version="1.0" encoding="utf-8"?>
 <p:tagLst xmlns:p="http://schemas.openxmlformats.org/presentationml/2006/main">
   <p:tag name="KSO_WM_TEMPLATE_SUBCATEGORY" val="0"/>
   <p:tag name="KSO_WM_SLIDE_ITEM_CNT" val="0"/>
@@ -22115,7 +24947,20 @@
 </p:tagLst>
 </file>
 
-<file path=ppt/tags/tag248.xml><?xml version="1.0" encoding="utf-8"?>
+<file path=ppt/tags/tag27.xml><?xml version="1.0" encoding="utf-8"?>
+<p:tagLst xmlns:p="http://schemas.openxmlformats.org/presentationml/2006/main">
+  <p:tag name="KSO_WM_UNIT_HIGHLIGHT" val="0"/>
+  <p:tag name="KSO_WM_UNIT_COMPATIBLE" val="0"/>
+  <p:tag name="KSO_WM_UNIT_DIAGRAM_ISNUMVISUAL" val="0"/>
+  <p:tag name="KSO_WM_UNIT_DIAGRAM_ISREFERUNIT" val="0"/>
+  <p:tag name="KSO_WM_UNIT_ID" val="_4**"/>
+  <p:tag name="KSO_WM_UNIT_LAYERLEVEL" val="1"/>
+  <p:tag name="KSO_WM_TAG_VERSION" val="1.0"/>
+  <p:tag name="KSO_WM_BEAUTIFY_FLAG" val="#wm#"/>
+</p:tagLst>
+</file>
+
+<file path=ppt/tags/tag270.xml><?xml version="1.0" encoding="utf-8"?>
 <p:tagLst xmlns:p="http://schemas.openxmlformats.org/presentationml/2006/main">
   <p:tag name="KSO_WM_TEMPLATE_SUBCATEGORY" val="0"/>
   <p:tag name="KSO_WM_SLIDE_ITEM_CNT" val="0"/>
@@ -22135,60 +24980,21 @@
 </p:tagLst>
 </file>
 
-<file path=ppt/tags/tag249.xml><?xml version="1.0" encoding="utf-8"?>
+<file path=ppt/tags/tag271.xml><?xml version="1.0" encoding="utf-8"?>
 <p:tagLst xmlns:p="http://schemas.openxmlformats.org/presentationml/2006/main">
   <p:tag name="KSO_WM_SPECIAL_SOURCE" val="bdnull"/>
 </p:tagLst>
 </file>
 
-<file path=ppt/tags/tag25.xml><?xml version="1.0" encoding="utf-8"?>
-<p:tagLst xmlns:p="http://schemas.openxmlformats.org/presentationml/2006/main">
-  <p:tag name="KSO_WM_UNIT_HIGHLIGHT" val="0"/>
-  <p:tag name="KSO_WM_UNIT_COMPATIBLE" val="0"/>
-  <p:tag name="KSO_WM_UNIT_DIAGRAM_ISNUMVISUAL" val="0"/>
-  <p:tag name="KSO_WM_UNIT_DIAGRAM_ISREFERUNIT" val="0"/>
-  <p:tag name="KSO_WM_UNIT_ID" val="_4**"/>
-  <p:tag name="KSO_WM_UNIT_LAYERLEVEL" val="1"/>
-  <p:tag name="KSO_WM_TAG_VERSION" val="1.0"/>
-  <p:tag name="KSO_WM_BEAUTIFY_FLAG" val="#wm#"/>
-</p:tagLst>
-</file>
-
-<file path=ppt/tags/tag250.xml><?xml version="1.0" encoding="utf-8"?>
+<file path=ppt/tags/tag272.xml><?xml version="1.0" encoding="utf-8"?>
 <p:tagLst xmlns:p="http://schemas.openxmlformats.org/presentationml/2006/main">
   <p:tag name="KSO_WM_SPECIAL_SOURCE" val="bdnull"/>
 </p:tagLst>
 </file>
 
-<file path=ppt/tags/tag251.xml><?xml version="1.0" encoding="utf-8"?>
+<file path=ppt/tags/tag273.xml><?xml version="1.0" encoding="utf-8"?>
 <p:tagLst xmlns:p="http://schemas.openxmlformats.org/presentationml/2006/main">
   <p:tag name="KSO_WM_SPECIAL_SOURCE" val="bdnull"/>
-</p:tagLst>
-</file>
-
-<file path=ppt/tags/tag26.xml><?xml version="1.0" encoding="utf-8"?>
-<p:tagLst xmlns:p="http://schemas.openxmlformats.org/presentationml/2006/main">
-  <p:tag name="KSO_WM_UNIT_HIGHLIGHT" val="0"/>
-  <p:tag name="KSO_WM_UNIT_COMPATIBLE" val="0"/>
-  <p:tag name="KSO_WM_UNIT_DIAGRAM_ISNUMVISUAL" val="0"/>
-  <p:tag name="KSO_WM_UNIT_DIAGRAM_ISREFERUNIT" val="0"/>
-  <p:tag name="KSO_WM_UNIT_ID" val="_4**"/>
-  <p:tag name="KSO_WM_UNIT_LAYERLEVEL" val="1"/>
-  <p:tag name="KSO_WM_TAG_VERSION" val="1.0"/>
-  <p:tag name="KSO_WM_BEAUTIFY_FLAG" val="#wm#"/>
-</p:tagLst>
-</file>
-
-<file path=ppt/tags/tag27.xml><?xml version="1.0" encoding="utf-8"?>
-<p:tagLst xmlns:p="http://schemas.openxmlformats.org/presentationml/2006/main">
-  <p:tag name="KSO_WM_UNIT_HIGHLIGHT" val="0"/>
-  <p:tag name="KSO_WM_UNIT_COMPATIBLE" val="0"/>
-  <p:tag name="KSO_WM_UNIT_DIAGRAM_ISNUMVISUAL" val="0"/>
-  <p:tag name="KSO_WM_UNIT_DIAGRAM_ISREFERUNIT" val="0"/>
-  <p:tag name="KSO_WM_UNIT_ID" val="_4**"/>
-  <p:tag name="KSO_WM_UNIT_LAYERLEVEL" val="1"/>
-  <p:tag name="KSO_WM_TAG_VERSION" val="1.0"/>
-  <p:tag name="KSO_WM_BEAUTIFY_FLAG" val="#wm#"/>
 </p:tagLst>
 </file>
 
